--- a/demo1.pptx
+++ b/demo1.pptx
@@ -5,7 +5,7 @@
     <p:sldMasterId id="2147483677" r:id="rId1"/>
   </p:sldMasterIdLst>
   <p:notesMasterIdLst>
-    <p:notesMasterId r:id="rId30"/>
+    <p:notesMasterId r:id="rId29"/>
   </p:notesMasterIdLst>
   <p:sldIdLst>
     <p:sldId id="259" r:id="rId2"/>
@@ -28,14 +28,13 @@
     <p:sldId id="286" r:id="rId19"/>
     <p:sldId id="287" r:id="rId20"/>
     <p:sldId id="288" r:id="rId21"/>
-    <p:sldId id="294" r:id="rId22"/>
-    <p:sldId id="289" r:id="rId23"/>
-    <p:sldId id="290" r:id="rId24"/>
-    <p:sldId id="291" r:id="rId25"/>
-    <p:sldId id="292" r:id="rId26"/>
-    <p:sldId id="293" r:id="rId27"/>
-    <p:sldId id="278" r:id="rId28"/>
-    <p:sldId id="279" r:id="rId29"/>
+    <p:sldId id="289" r:id="rId22"/>
+    <p:sldId id="290" r:id="rId23"/>
+    <p:sldId id="291" r:id="rId24"/>
+    <p:sldId id="292" r:id="rId25"/>
+    <p:sldId id="293" r:id="rId26"/>
+    <p:sldId id="278" r:id="rId27"/>
+    <p:sldId id="279" r:id="rId28"/>
   </p:sldIdLst>
   <p:sldSz cx="12192000" cy="6858000"/>
   <p:notesSz cx="6858000" cy="9144000"/>
@@ -250,7 +249,7 @@
           <a:p>
             <a:fld id="{A6F0AEFD-6695-4F3D-94CE-148644A92D25}" type="datetimeFigureOut">
               <a:rPr lang="en-US" smtClean="0"/>
-              <a:t>2/13/20</a:t>
+              <a:t>2/28/2020</a:t>
             </a:fld>
             <a:endParaRPr lang="en-US"/>
           </a:p>
@@ -2137,7 +2136,7 @@
           <a:p>
             <a:fld id="{EA0779A5-1675-4FFA-99F4-DBCC810B5C39}" type="datetimeFigureOut">
               <a:rPr lang="en-US" smtClean="0"/>
-              <a:t>2/13/20</a:t>
+              <a:t>2/28/2020</a:t>
             </a:fld>
             <a:endParaRPr lang="en-US"/>
           </a:p>
@@ -2337,7 +2336,7 @@
           <a:p>
             <a:fld id="{EA0779A5-1675-4FFA-99F4-DBCC810B5C39}" type="datetimeFigureOut">
               <a:rPr lang="en-US" smtClean="0"/>
-              <a:t>2/13/20</a:t>
+              <a:t>2/28/2020</a:t>
             </a:fld>
             <a:endParaRPr lang="en-US"/>
           </a:p>
@@ -2547,7 +2546,7 @@
           <a:p>
             <a:fld id="{EA0779A5-1675-4FFA-99F4-DBCC810B5C39}" type="datetimeFigureOut">
               <a:rPr lang="en-US" smtClean="0"/>
-              <a:t>2/13/20</a:t>
+              <a:t>2/28/2020</a:t>
             </a:fld>
             <a:endParaRPr lang="en-US"/>
           </a:p>
@@ -2747,7 +2746,7 @@
           <a:p>
             <a:fld id="{EA0779A5-1675-4FFA-99F4-DBCC810B5C39}" type="datetimeFigureOut">
               <a:rPr lang="en-US" smtClean="0"/>
-              <a:t>2/13/20</a:t>
+              <a:t>2/28/2020</a:t>
             </a:fld>
             <a:endParaRPr lang="en-US"/>
           </a:p>
@@ -3023,7 +3022,7 @@
           <a:p>
             <a:fld id="{EA0779A5-1675-4FFA-99F4-DBCC810B5C39}" type="datetimeFigureOut">
               <a:rPr lang="en-US" smtClean="0"/>
-              <a:t>2/13/20</a:t>
+              <a:t>2/28/2020</a:t>
             </a:fld>
             <a:endParaRPr lang="en-US"/>
           </a:p>
@@ -3291,7 +3290,7 @@
           <a:p>
             <a:fld id="{EA0779A5-1675-4FFA-99F4-DBCC810B5C39}" type="datetimeFigureOut">
               <a:rPr lang="en-US" smtClean="0"/>
-              <a:t>2/13/20</a:t>
+              <a:t>2/28/2020</a:t>
             </a:fld>
             <a:endParaRPr lang="en-US"/>
           </a:p>
@@ -3706,7 +3705,7 @@
           <a:p>
             <a:fld id="{EA0779A5-1675-4FFA-99F4-DBCC810B5C39}" type="datetimeFigureOut">
               <a:rPr lang="en-US" smtClean="0"/>
-              <a:t>2/13/20</a:t>
+              <a:t>2/28/2020</a:t>
             </a:fld>
             <a:endParaRPr lang="en-US"/>
           </a:p>
@@ -3848,7 +3847,7 @@
           <a:p>
             <a:fld id="{EA0779A5-1675-4FFA-99F4-DBCC810B5C39}" type="datetimeFigureOut">
               <a:rPr lang="en-US" smtClean="0"/>
-              <a:t>2/13/20</a:t>
+              <a:t>2/28/2020</a:t>
             </a:fld>
             <a:endParaRPr lang="en-US"/>
           </a:p>
@@ -3961,7 +3960,7 @@
           <a:p>
             <a:fld id="{EA0779A5-1675-4FFA-99F4-DBCC810B5C39}" type="datetimeFigureOut">
               <a:rPr lang="en-US" smtClean="0"/>
-              <a:t>2/13/20</a:t>
+              <a:t>2/28/2020</a:t>
             </a:fld>
             <a:endParaRPr lang="en-US"/>
           </a:p>
@@ -4274,7 +4273,7 @@
           <a:p>
             <a:fld id="{EA0779A5-1675-4FFA-99F4-DBCC810B5C39}" type="datetimeFigureOut">
               <a:rPr lang="en-US" smtClean="0"/>
-              <a:t>2/13/20</a:t>
+              <a:t>2/28/2020</a:t>
             </a:fld>
             <a:endParaRPr lang="en-US"/>
           </a:p>
@@ -4563,7 +4562,7 @@
           <a:p>
             <a:fld id="{EA0779A5-1675-4FFA-99F4-DBCC810B5C39}" type="datetimeFigureOut">
               <a:rPr lang="en-US" smtClean="0"/>
-              <a:t>2/13/20</a:t>
+              <a:t>2/28/2020</a:t>
             </a:fld>
             <a:endParaRPr lang="en-US"/>
           </a:p>
@@ -4806,7 +4805,7 @@
           <a:p>
             <a:fld id="{EA0779A5-1675-4FFA-99F4-DBCC810B5C39}" type="datetimeFigureOut">
               <a:rPr lang="en-US" smtClean="0"/>
-              <a:t>2/13/20</a:t>
+              <a:t>2/28/2020</a:t>
             </a:fld>
             <a:endParaRPr lang="en-US"/>
           </a:p>
@@ -15536,1193 +15535,6 @@
           <a:chExt cx="0" cy="0"/>
         </a:xfrm>
       </p:grpSpPr>
-      <p:sp>
-        <p:nvSpPr>
-          <p:cNvPr id="9" name="Rectangle 8"/>
-          <p:cNvSpPr/>
-          <p:nvPr/>
-        </p:nvSpPr>
-        <p:spPr>
-          <a:xfrm>
-            <a:off x="5083752" y="1090854"/>
-            <a:ext cx="1345474" cy="3177487"/>
-          </a:xfrm>
-          <a:prstGeom prst="rect">
-            <a:avLst/>
-          </a:prstGeom>
-          <a:noFill/>
-          <a:ln w="57150">
-            <a:solidFill>
-              <a:srgbClr val="00B0F0"/>
-            </a:solidFill>
-          </a:ln>
-        </p:spPr>
-        <p:style>
-          <a:lnRef idx="2">
-            <a:schemeClr val="accent1">
-              <a:shade val="50000"/>
-            </a:schemeClr>
-          </a:lnRef>
-          <a:fillRef idx="1">
-            <a:schemeClr val="accent1"/>
-          </a:fillRef>
-          <a:effectRef idx="0">
-            <a:schemeClr val="accent1"/>
-          </a:effectRef>
-          <a:fontRef idx="minor">
-            <a:schemeClr val="lt1"/>
-          </a:fontRef>
-        </p:style>
-        <p:txBody>
-          <a:bodyPr rtlCol="0" anchor="ctr"/>
-          <a:lstStyle/>
-          <a:p>
-            <a:pPr algn="ctr"/>
-            <a:endParaRPr lang="es-419"/>
-          </a:p>
-        </p:txBody>
-      </p:sp>
-      <p:grpSp>
-        <p:nvGrpSpPr>
-          <p:cNvPr id="12" name="Group 11"/>
-          <p:cNvGrpSpPr/>
-          <p:nvPr/>
-        </p:nvGrpSpPr>
-        <p:grpSpPr>
-          <a:xfrm>
-            <a:off x="1198022" y="444138"/>
-            <a:ext cx="1115878" cy="1325985"/>
-            <a:chOff x="1198022" y="444138"/>
-            <a:chExt cx="1115878" cy="1325985"/>
-          </a:xfrm>
-        </p:grpSpPr>
-        <p:pic>
-          <p:nvPicPr>
-            <p:cNvPr id="2" name="Picture 2">
-              <a:extLst>
-                <a:ext uri="{FF2B5EF4-FFF2-40B4-BE49-F238E27FC236}">
-                  <a16:creationId xmlns:a16="http://schemas.microsoft.com/office/drawing/2014/main" id="{B800DBDB-1341-484A-87A4-79D20D79CF01}"/>
-                </a:ext>
-              </a:extLst>
-            </p:cNvPr>
-            <p:cNvPicPr>
-              <a:picLocks noChangeAspect="1"/>
-            </p:cNvPicPr>
-            <p:nvPr/>
-          </p:nvPicPr>
-          <p:blipFill rotWithShape="1">
-            <a:blip r:embed="rId2"/>
-            <a:srcRect r="84453"/>
-            <a:stretch/>
-          </p:blipFill>
-          <p:spPr>
-            <a:xfrm>
-              <a:off x="1198022" y="444138"/>
-              <a:ext cx="1115878" cy="1325985"/>
-            </a:xfrm>
-            <a:prstGeom prst="rect">
-              <a:avLst/>
-            </a:prstGeom>
-            <a:solidFill>
-              <a:schemeClr val="bg1"/>
-            </a:solidFill>
-          </p:spPr>
-        </p:pic>
-        <p:pic>
-          <p:nvPicPr>
-            <p:cNvPr id="10" name="Picture 2" descr="Resultado de imagen para elastic beats logo png"/>
-            <p:cNvPicPr>
-              <a:picLocks noChangeAspect="1" noChangeArrowheads="1"/>
-            </p:cNvPicPr>
-            <p:nvPr/>
-          </p:nvPicPr>
-          <p:blipFill rotWithShape="1">
-            <a:blip r:embed="rId3" cstate="print">
-              <a:extLst>
-                <a:ext uri="{28A0092B-C50C-407E-A947-70E740481C1C}">
-                  <a14:useLocalDpi xmlns:a14="http://schemas.microsoft.com/office/drawing/2010/main" val="0"/>
-                </a:ext>
-              </a:extLst>
-            </a:blip>
-            <a:srcRect l="18823" r="58425"/>
-            <a:stretch/>
-          </p:blipFill>
-          <p:spPr bwMode="auto">
-            <a:xfrm>
-              <a:off x="1508677" y="682391"/>
-              <a:ext cx="494567" cy="539093"/>
-            </a:xfrm>
-            <a:prstGeom prst="rect">
-              <a:avLst/>
-            </a:prstGeom>
-            <a:noFill/>
-            <a:extLst>
-              <a:ext uri="{909E8E84-426E-40DD-AFC4-6F175D3DCCD1}">
-                <a14:hiddenFill xmlns:a14="http://schemas.microsoft.com/office/drawing/2010/main">
-                  <a:solidFill>
-                    <a:srgbClr val="FFFFFF"/>
-                  </a:solidFill>
-                </a14:hiddenFill>
-              </a:ext>
-            </a:extLst>
-          </p:spPr>
-        </p:pic>
-      </p:grpSp>
-      <p:grpSp>
-        <p:nvGrpSpPr>
-          <p:cNvPr id="13" name="Group 12"/>
-          <p:cNvGrpSpPr/>
-          <p:nvPr/>
-        </p:nvGrpSpPr>
-        <p:grpSpPr>
-          <a:xfrm>
-            <a:off x="1198021" y="2008376"/>
-            <a:ext cx="1115878" cy="1325985"/>
-            <a:chOff x="1198022" y="444138"/>
-            <a:chExt cx="1115878" cy="1325985"/>
-          </a:xfrm>
-        </p:grpSpPr>
-        <p:pic>
-          <p:nvPicPr>
-            <p:cNvPr id="14" name="Picture 2">
-              <a:extLst>
-                <a:ext uri="{FF2B5EF4-FFF2-40B4-BE49-F238E27FC236}">
-                  <a16:creationId xmlns:a16="http://schemas.microsoft.com/office/drawing/2014/main" id="{B800DBDB-1341-484A-87A4-79D20D79CF01}"/>
-                </a:ext>
-              </a:extLst>
-            </p:cNvPr>
-            <p:cNvPicPr>
-              <a:picLocks noChangeAspect="1"/>
-            </p:cNvPicPr>
-            <p:nvPr/>
-          </p:nvPicPr>
-          <p:blipFill rotWithShape="1">
-            <a:blip r:embed="rId2"/>
-            <a:srcRect r="84453"/>
-            <a:stretch/>
-          </p:blipFill>
-          <p:spPr>
-            <a:xfrm>
-              <a:off x="1198022" y="444138"/>
-              <a:ext cx="1115878" cy="1325985"/>
-            </a:xfrm>
-            <a:prstGeom prst="rect">
-              <a:avLst/>
-            </a:prstGeom>
-            <a:solidFill>
-              <a:schemeClr val="bg1"/>
-            </a:solidFill>
-          </p:spPr>
-        </p:pic>
-        <p:pic>
-          <p:nvPicPr>
-            <p:cNvPr id="15" name="Picture 2" descr="Resultado de imagen para elastic beats logo png"/>
-            <p:cNvPicPr>
-              <a:picLocks noChangeAspect="1" noChangeArrowheads="1"/>
-            </p:cNvPicPr>
-            <p:nvPr/>
-          </p:nvPicPr>
-          <p:blipFill rotWithShape="1">
-            <a:blip r:embed="rId3" cstate="print">
-              <a:extLst>
-                <a:ext uri="{28A0092B-C50C-407E-A947-70E740481C1C}">
-                  <a14:useLocalDpi xmlns:a14="http://schemas.microsoft.com/office/drawing/2010/main" val="0"/>
-                </a:ext>
-              </a:extLst>
-            </a:blip>
-            <a:srcRect l="18823" r="58425"/>
-            <a:stretch/>
-          </p:blipFill>
-          <p:spPr bwMode="auto">
-            <a:xfrm>
-              <a:off x="1508677" y="682391"/>
-              <a:ext cx="494567" cy="539093"/>
-            </a:xfrm>
-            <a:prstGeom prst="rect">
-              <a:avLst/>
-            </a:prstGeom>
-            <a:noFill/>
-            <a:extLst>
-              <a:ext uri="{909E8E84-426E-40DD-AFC4-6F175D3DCCD1}">
-                <a14:hiddenFill xmlns:a14="http://schemas.microsoft.com/office/drawing/2010/main">
-                  <a:solidFill>
-                    <a:srgbClr val="FFFFFF"/>
-                  </a:solidFill>
-                </a14:hiddenFill>
-              </a:ext>
-            </a:extLst>
-          </p:spPr>
-        </p:pic>
-      </p:grpSp>
-      <p:grpSp>
-        <p:nvGrpSpPr>
-          <p:cNvPr id="16" name="Group 15"/>
-          <p:cNvGrpSpPr/>
-          <p:nvPr/>
-        </p:nvGrpSpPr>
-        <p:grpSpPr>
-          <a:xfrm>
-            <a:off x="1198021" y="3523571"/>
-            <a:ext cx="1115878" cy="1325985"/>
-            <a:chOff x="1198022" y="444138"/>
-            <a:chExt cx="1115878" cy="1325985"/>
-          </a:xfrm>
-        </p:grpSpPr>
-        <p:pic>
-          <p:nvPicPr>
-            <p:cNvPr id="17" name="Picture 2">
-              <a:extLst>
-                <a:ext uri="{FF2B5EF4-FFF2-40B4-BE49-F238E27FC236}">
-                  <a16:creationId xmlns:a16="http://schemas.microsoft.com/office/drawing/2014/main" id="{B800DBDB-1341-484A-87A4-79D20D79CF01}"/>
-                </a:ext>
-              </a:extLst>
-            </p:cNvPr>
-            <p:cNvPicPr>
-              <a:picLocks noChangeAspect="1"/>
-            </p:cNvPicPr>
-            <p:nvPr/>
-          </p:nvPicPr>
-          <p:blipFill rotWithShape="1">
-            <a:blip r:embed="rId2"/>
-            <a:srcRect r="84453"/>
-            <a:stretch/>
-          </p:blipFill>
-          <p:spPr>
-            <a:xfrm>
-              <a:off x="1198022" y="444138"/>
-              <a:ext cx="1115878" cy="1325985"/>
-            </a:xfrm>
-            <a:prstGeom prst="rect">
-              <a:avLst/>
-            </a:prstGeom>
-            <a:solidFill>
-              <a:schemeClr val="bg1"/>
-            </a:solidFill>
-          </p:spPr>
-        </p:pic>
-        <p:pic>
-          <p:nvPicPr>
-            <p:cNvPr id="18" name="Picture 2" descr="Resultado de imagen para elastic beats logo png"/>
-            <p:cNvPicPr>
-              <a:picLocks noChangeAspect="1" noChangeArrowheads="1"/>
-            </p:cNvPicPr>
-            <p:nvPr/>
-          </p:nvPicPr>
-          <p:blipFill rotWithShape="1">
-            <a:blip r:embed="rId3" cstate="print">
-              <a:extLst>
-                <a:ext uri="{28A0092B-C50C-407E-A947-70E740481C1C}">
-                  <a14:useLocalDpi xmlns:a14="http://schemas.microsoft.com/office/drawing/2010/main" val="0"/>
-                </a:ext>
-              </a:extLst>
-            </a:blip>
-            <a:srcRect l="18823" r="58425"/>
-            <a:stretch/>
-          </p:blipFill>
-          <p:spPr bwMode="auto">
-            <a:xfrm>
-              <a:off x="1508677" y="682391"/>
-              <a:ext cx="494567" cy="539093"/>
-            </a:xfrm>
-            <a:prstGeom prst="rect">
-              <a:avLst/>
-            </a:prstGeom>
-            <a:noFill/>
-            <a:extLst>
-              <a:ext uri="{909E8E84-426E-40DD-AFC4-6F175D3DCCD1}">
-                <a14:hiddenFill xmlns:a14="http://schemas.microsoft.com/office/drawing/2010/main">
-                  <a:solidFill>
-                    <a:srgbClr val="FFFFFF"/>
-                  </a:solidFill>
-                </a14:hiddenFill>
-              </a:ext>
-            </a:extLst>
-          </p:spPr>
-        </p:pic>
-      </p:grpSp>
-      <p:pic>
-        <p:nvPicPr>
-          <p:cNvPr id="19" name="Picture 2" descr="Resultado de imagen para kibana"/>
-          <p:cNvPicPr>
-            <a:picLocks noChangeAspect="1" noChangeArrowheads="1"/>
-          </p:cNvPicPr>
-          <p:nvPr/>
-        </p:nvPicPr>
-        <p:blipFill rotWithShape="1">
-          <a:blip r:embed="rId4" cstate="print">
-            <a:extLst>
-              <a:ext uri="{28A0092B-C50C-407E-A947-70E740481C1C}">
-                <a14:useLocalDpi xmlns:a14="http://schemas.microsoft.com/office/drawing/2010/main" val="0"/>
-              </a:ext>
-            </a:extLst>
-          </a:blip>
-          <a:srcRect r="67435"/>
-          <a:stretch/>
-        </p:blipFill>
-        <p:spPr bwMode="auto">
-          <a:xfrm>
-            <a:off x="7536995" y="2191991"/>
-            <a:ext cx="694309" cy="975212"/>
-          </a:xfrm>
-          <a:prstGeom prst="rect">
-            <a:avLst/>
-          </a:prstGeom>
-          <a:noFill/>
-          <a:extLst>
-            <a:ext uri="{909E8E84-426E-40DD-AFC4-6F175D3DCCD1}">
-              <a14:hiddenFill xmlns:a14="http://schemas.microsoft.com/office/drawing/2010/main">
-                <a:solidFill>
-                  <a:srgbClr val="FFFFFF"/>
-                </a:solidFill>
-              </a14:hiddenFill>
-            </a:ext>
-          </a:extLst>
-        </p:spPr>
-      </p:pic>
-      <p:cxnSp>
-        <p:nvCxnSpPr>
-          <p:cNvPr id="22" name="Elbow Connector 21"/>
-          <p:cNvCxnSpPr>
-            <a:stCxn id="2" idx="3"/>
-            <a:endCxn id="8" idx="1"/>
-          </p:cNvCxnSpPr>
-          <p:nvPr/>
-        </p:nvCxnSpPr>
-        <p:spPr>
-          <a:xfrm>
-            <a:off x="2313900" y="1107131"/>
-            <a:ext cx="1107768" cy="1567754"/>
-          </a:xfrm>
-          <a:prstGeom prst="bentConnector3">
-            <a:avLst/>
-          </a:prstGeom>
-          <a:ln w="38100">
-            <a:solidFill>
-              <a:schemeClr val="tx1">
-                <a:lumMod val="50000"/>
-                <a:lumOff val="50000"/>
-              </a:schemeClr>
-            </a:solidFill>
-            <a:tailEnd type="triangle"/>
-          </a:ln>
-        </p:spPr>
-        <p:style>
-          <a:lnRef idx="1">
-            <a:schemeClr val="accent1"/>
-          </a:lnRef>
-          <a:fillRef idx="0">
-            <a:schemeClr val="accent1"/>
-          </a:fillRef>
-          <a:effectRef idx="0">
-            <a:schemeClr val="accent1"/>
-          </a:effectRef>
-          <a:fontRef idx="minor">
-            <a:schemeClr val="tx1"/>
-          </a:fontRef>
-        </p:style>
-      </p:cxnSp>
-      <p:cxnSp>
-        <p:nvCxnSpPr>
-          <p:cNvPr id="24" name="Elbow Connector 23"/>
-          <p:cNvCxnSpPr>
-            <a:stCxn id="17" idx="3"/>
-            <a:endCxn id="8" idx="1"/>
-          </p:cNvCxnSpPr>
-          <p:nvPr/>
-        </p:nvCxnSpPr>
-        <p:spPr>
-          <a:xfrm flipV="1">
-            <a:off x="2313899" y="2674885"/>
-            <a:ext cx="1107769" cy="1511679"/>
-          </a:xfrm>
-          <a:prstGeom prst="bentConnector3">
-            <a:avLst/>
-          </a:prstGeom>
-          <a:ln w="38100">
-            <a:solidFill>
-              <a:schemeClr val="tx1">
-                <a:lumMod val="50000"/>
-                <a:lumOff val="50000"/>
-              </a:schemeClr>
-            </a:solidFill>
-            <a:tailEnd type="triangle"/>
-          </a:ln>
-        </p:spPr>
-        <p:style>
-          <a:lnRef idx="1">
-            <a:schemeClr val="accent1"/>
-          </a:lnRef>
-          <a:fillRef idx="0">
-            <a:schemeClr val="accent1"/>
-          </a:fillRef>
-          <a:effectRef idx="0">
-            <a:schemeClr val="accent1"/>
-          </a:effectRef>
-          <a:fontRef idx="minor">
-            <a:schemeClr val="tx1"/>
-          </a:fontRef>
-        </p:style>
-      </p:cxnSp>
-      <p:cxnSp>
-        <p:nvCxnSpPr>
-          <p:cNvPr id="26" name="Elbow Connector 25"/>
-          <p:cNvCxnSpPr>
-            <a:stCxn id="14" idx="3"/>
-            <a:endCxn id="8" idx="1"/>
-          </p:cNvCxnSpPr>
-          <p:nvPr/>
-        </p:nvCxnSpPr>
-        <p:spPr>
-          <a:xfrm>
-            <a:off x="2313899" y="2671369"/>
-            <a:ext cx="1107769" cy="3516"/>
-          </a:xfrm>
-          <a:prstGeom prst="bentConnector3">
-            <a:avLst/>
-          </a:prstGeom>
-          <a:ln w="38100">
-            <a:solidFill>
-              <a:schemeClr val="tx1">
-                <a:lumMod val="50000"/>
-                <a:lumOff val="50000"/>
-              </a:schemeClr>
-            </a:solidFill>
-            <a:tailEnd type="triangle"/>
-          </a:ln>
-        </p:spPr>
-        <p:style>
-          <a:lnRef idx="1">
-            <a:schemeClr val="accent1"/>
-          </a:lnRef>
-          <a:fillRef idx="0">
-            <a:schemeClr val="accent1"/>
-          </a:fillRef>
-          <a:effectRef idx="0">
-            <a:schemeClr val="accent1"/>
-          </a:effectRef>
-          <a:fontRef idx="minor">
-            <a:schemeClr val="tx1"/>
-          </a:fontRef>
-        </p:style>
-      </p:cxnSp>
-      <p:cxnSp>
-        <p:nvCxnSpPr>
-          <p:cNvPr id="28" name="Straight Arrow Connector 27"/>
-          <p:cNvCxnSpPr>
-            <a:stCxn id="8" idx="3"/>
-            <a:endCxn id="9" idx="1"/>
-          </p:cNvCxnSpPr>
-          <p:nvPr/>
-        </p:nvCxnSpPr>
-        <p:spPr>
-          <a:xfrm>
-            <a:off x="4303315" y="2674885"/>
-            <a:ext cx="780437" cy="4713"/>
-          </a:xfrm>
-          <a:prstGeom prst="straightConnector1">
-            <a:avLst/>
-          </a:prstGeom>
-          <a:ln w="38100">
-            <a:solidFill>
-              <a:schemeClr val="tx1">
-                <a:lumMod val="50000"/>
-                <a:lumOff val="50000"/>
-              </a:schemeClr>
-            </a:solidFill>
-            <a:tailEnd type="triangle"/>
-          </a:ln>
-        </p:spPr>
-        <p:style>
-          <a:lnRef idx="1">
-            <a:schemeClr val="accent1"/>
-          </a:lnRef>
-          <a:fillRef idx="0">
-            <a:schemeClr val="accent1"/>
-          </a:fillRef>
-          <a:effectRef idx="0">
-            <a:schemeClr val="accent1"/>
-          </a:effectRef>
-          <a:fontRef idx="minor">
-            <a:schemeClr val="tx1"/>
-          </a:fontRef>
-        </p:style>
-      </p:cxnSp>
-      <p:cxnSp>
-        <p:nvCxnSpPr>
-          <p:cNvPr id="30" name="Straight Arrow Connector 29"/>
-          <p:cNvCxnSpPr>
-            <a:stCxn id="9" idx="3"/>
-            <a:endCxn id="19" idx="1"/>
-          </p:cNvCxnSpPr>
-          <p:nvPr/>
-        </p:nvCxnSpPr>
-        <p:spPr>
-          <a:xfrm flipV="1">
-            <a:off x="6429226" y="2679597"/>
-            <a:ext cx="1107769" cy="1"/>
-          </a:xfrm>
-          <a:prstGeom prst="straightConnector1">
-            <a:avLst/>
-          </a:prstGeom>
-          <a:ln w="38100">
-            <a:solidFill>
-              <a:srgbClr val="E9478B"/>
-            </a:solidFill>
-            <a:headEnd type="triangle" w="med" len="med"/>
-            <a:tailEnd type="triangle" w="med" len="med"/>
-          </a:ln>
-        </p:spPr>
-        <p:style>
-          <a:lnRef idx="1">
-            <a:schemeClr val="accent1"/>
-          </a:lnRef>
-          <a:fillRef idx="0">
-            <a:schemeClr val="accent1"/>
-          </a:fillRef>
-          <a:effectRef idx="0">
-            <a:schemeClr val="accent1"/>
-          </a:effectRef>
-          <a:fontRef idx="minor">
-            <a:schemeClr val="tx1"/>
-          </a:fontRef>
-        </p:style>
-      </p:cxnSp>
-      <p:grpSp>
-        <p:nvGrpSpPr>
-          <p:cNvPr id="33" name="Group 32"/>
-          <p:cNvGrpSpPr/>
-          <p:nvPr/>
-        </p:nvGrpSpPr>
-        <p:grpSpPr>
-          <a:xfrm>
-            <a:off x="3421668" y="2130314"/>
-            <a:ext cx="889026" cy="1089141"/>
-            <a:chOff x="3281674" y="2061604"/>
-            <a:chExt cx="995456" cy="1219528"/>
-          </a:xfrm>
-        </p:grpSpPr>
-        <p:pic>
-          <p:nvPicPr>
-            <p:cNvPr id="8" name="Picture 4" descr="Resultado de imagen para logstash logo png"/>
-            <p:cNvPicPr>
-              <a:picLocks noChangeAspect="1" noChangeArrowheads="1"/>
-            </p:cNvPicPr>
-            <p:nvPr/>
-          </p:nvPicPr>
-          <p:blipFill rotWithShape="1">
-            <a:blip r:embed="rId5">
-              <a:extLst>
-                <a:ext uri="{28A0092B-C50C-407E-A947-70E740481C1C}">
-                  <a14:useLocalDpi xmlns:a14="http://schemas.microsoft.com/office/drawing/2010/main" val="0"/>
-                </a:ext>
-              </a:extLst>
-            </a:blip>
-            <a:srcRect r="68098"/>
-            <a:stretch/>
-          </p:blipFill>
-          <p:spPr bwMode="auto">
-            <a:xfrm>
-              <a:off x="3281674" y="2061604"/>
-              <a:ext cx="987194" cy="1219528"/>
-            </a:xfrm>
-            <a:prstGeom prst="rect">
-              <a:avLst/>
-            </a:prstGeom>
-            <a:noFill/>
-            <a:extLst>
-              <a:ext uri="{909E8E84-426E-40DD-AFC4-6F175D3DCCD1}">
-                <a14:hiddenFill xmlns:a14="http://schemas.microsoft.com/office/drawing/2010/main">
-                  <a:solidFill>
-                    <a:srgbClr val="FFFFFF"/>
-                  </a:solidFill>
-                </a14:hiddenFill>
-              </a:ext>
-            </a:extLst>
-          </p:spPr>
-        </p:pic>
-        <p:sp>
-          <p:nvSpPr>
-            <p:cNvPr id="32" name="Oval 31"/>
-            <p:cNvSpPr/>
-            <p:nvPr/>
-          </p:nvSpPr>
-          <p:spPr>
-            <a:xfrm>
-              <a:off x="3283103" y="2199302"/>
-              <a:ext cx="994027" cy="994027"/>
-            </a:xfrm>
-            <a:prstGeom prst="ellipse">
-              <a:avLst/>
-            </a:prstGeom>
-            <a:noFill/>
-            <a:ln w="57150">
-              <a:solidFill>
-                <a:srgbClr val="FFC000"/>
-              </a:solidFill>
-            </a:ln>
-          </p:spPr>
-          <p:style>
-            <a:lnRef idx="2">
-              <a:schemeClr val="accent1">
-                <a:shade val="50000"/>
-              </a:schemeClr>
-            </a:lnRef>
-            <a:fillRef idx="1">
-              <a:schemeClr val="accent1"/>
-            </a:fillRef>
-            <a:effectRef idx="0">
-              <a:schemeClr val="accent1"/>
-            </a:effectRef>
-            <a:fontRef idx="minor">
-              <a:schemeClr val="lt1"/>
-            </a:fontRef>
-          </p:style>
-          <p:txBody>
-            <a:bodyPr rtlCol="0" anchor="ctr"/>
-            <a:lstStyle/>
-            <a:p>
-              <a:pPr algn="ctr"/>
-              <a:endParaRPr lang="es-419"/>
-            </a:p>
-          </p:txBody>
-        </p:sp>
-      </p:grpSp>
-      <p:sp>
-        <p:nvSpPr>
-          <p:cNvPr id="34" name="Oval 33"/>
-          <p:cNvSpPr/>
-          <p:nvPr/>
-        </p:nvSpPr>
-        <p:spPr>
-          <a:xfrm>
-            <a:off x="7490144" y="2214373"/>
-            <a:ext cx="861080" cy="861080"/>
-          </a:xfrm>
-          <a:prstGeom prst="ellipse">
-            <a:avLst/>
-          </a:prstGeom>
-          <a:noFill/>
-          <a:ln w="38100">
-            <a:solidFill>
-              <a:srgbClr val="E9478B"/>
-            </a:solidFill>
-          </a:ln>
-        </p:spPr>
-        <p:style>
-          <a:lnRef idx="2">
-            <a:schemeClr val="accent1">
-              <a:shade val="50000"/>
-            </a:schemeClr>
-          </a:lnRef>
-          <a:fillRef idx="1">
-            <a:schemeClr val="accent1"/>
-          </a:fillRef>
-          <a:effectRef idx="0">
-            <a:schemeClr val="accent1"/>
-          </a:effectRef>
-          <a:fontRef idx="minor">
-            <a:schemeClr val="lt1"/>
-          </a:fontRef>
-        </p:style>
-        <p:txBody>
-          <a:bodyPr rtlCol="0" anchor="ctr"/>
-          <a:lstStyle/>
-          <a:p>
-            <a:pPr algn="ctr"/>
-            <a:endParaRPr lang="es-419"/>
-          </a:p>
-        </p:txBody>
-      </p:sp>
-      <p:sp>
-        <p:nvSpPr>
-          <p:cNvPr id="35" name="TextBox 34"/>
-          <p:cNvSpPr txBox="1"/>
-          <p:nvPr/>
-        </p:nvSpPr>
-        <p:spPr>
-          <a:xfrm>
-            <a:off x="2898428" y="2418807"/>
-            <a:ext cx="505267" cy="276999"/>
-          </a:xfrm>
-          <a:prstGeom prst="rect">
-            <a:avLst/>
-          </a:prstGeom>
-          <a:noFill/>
-        </p:spPr>
-        <p:txBody>
-          <a:bodyPr wrap="none" rtlCol="0">
-            <a:spAutoFit/>
-          </a:bodyPr>
-          <a:lstStyle/>
-          <a:p>
-            <a:r>
-              <a:rPr lang="es-419" sz="1200" b="1" dirty="0">
-                <a:latin typeface="Calibri" panose="020F0502020204030204" pitchFamily="34" charset="0"/>
-                <a:cs typeface="Calibri" panose="020F0502020204030204" pitchFamily="34" charset="0"/>
-              </a:rPr>
-              <a:t>5044</a:t>
-            </a:r>
-          </a:p>
-        </p:txBody>
-      </p:sp>
-      <p:sp>
-        <p:nvSpPr>
-          <p:cNvPr id="36" name="TextBox 35"/>
-          <p:cNvSpPr txBox="1"/>
-          <p:nvPr/>
-        </p:nvSpPr>
-        <p:spPr>
-          <a:xfrm>
-            <a:off x="4361655" y="2418806"/>
-            <a:ext cx="498855" cy="276999"/>
-          </a:xfrm>
-          <a:prstGeom prst="rect">
-            <a:avLst/>
-          </a:prstGeom>
-          <a:noFill/>
-        </p:spPr>
-        <p:txBody>
-          <a:bodyPr wrap="none" rtlCol="0">
-            <a:spAutoFit/>
-          </a:bodyPr>
-          <a:lstStyle/>
-          <a:p>
-            <a:r>
-              <a:rPr lang="es-419" sz="1200" b="1" dirty="0">
-                <a:latin typeface="Calibri" panose="020F0502020204030204" pitchFamily="34" charset="0"/>
-                <a:cs typeface="Calibri" panose="020F0502020204030204" pitchFamily="34" charset="0"/>
-              </a:rPr>
-              <a:t>9200</a:t>
-            </a:r>
-          </a:p>
-        </p:txBody>
-      </p:sp>
-      <p:sp>
-        <p:nvSpPr>
-          <p:cNvPr id="37" name="TextBox 36"/>
-          <p:cNvSpPr txBox="1"/>
-          <p:nvPr/>
-        </p:nvSpPr>
-        <p:spPr>
-          <a:xfrm>
-            <a:off x="6522594" y="2389413"/>
-            <a:ext cx="498855" cy="276999"/>
-          </a:xfrm>
-          <a:prstGeom prst="rect">
-            <a:avLst/>
-          </a:prstGeom>
-          <a:noFill/>
-        </p:spPr>
-        <p:txBody>
-          <a:bodyPr wrap="none" rtlCol="0">
-            <a:spAutoFit/>
-          </a:bodyPr>
-          <a:lstStyle/>
-          <a:p>
-            <a:r>
-              <a:rPr lang="es-419" sz="1200" b="1" dirty="0">
-                <a:latin typeface="Calibri" panose="020F0502020204030204" pitchFamily="34" charset="0"/>
-                <a:cs typeface="Calibri" panose="020F0502020204030204" pitchFamily="34" charset="0"/>
-              </a:rPr>
-              <a:t>9200</a:t>
-            </a:r>
-          </a:p>
-        </p:txBody>
-      </p:sp>
-      <p:sp>
-        <p:nvSpPr>
-          <p:cNvPr id="38" name="TextBox 37"/>
-          <p:cNvSpPr txBox="1"/>
-          <p:nvPr/>
-        </p:nvSpPr>
-        <p:spPr>
-          <a:xfrm>
-            <a:off x="8398075" y="2399461"/>
-            <a:ext cx="498855" cy="276999"/>
-          </a:xfrm>
-          <a:prstGeom prst="rect">
-            <a:avLst/>
-          </a:prstGeom>
-          <a:noFill/>
-        </p:spPr>
-        <p:txBody>
-          <a:bodyPr wrap="none" rtlCol="0">
-            <a:spAutoFit/>
-          </a:bodyPr>
-          <a:lstStyle/>
-          <a:p>
-            <a:r>
-              <a:rPr lang="es-419" sz="1200" b="1" dirty="0">
-                <a:latin typeface="Calibri" panose="020F0502020204030204" pitchFamily="34" charset="0"/>
-                <a:cs typeface="Calibri" panose="020F0502020204030204" pitchFamily="34" charset="0"/>
-              </a:rPr>
-              <a:t>5601</a:t>
-            </a:r>
-          </a:p>
-        </p:txBody>
-      </p:sp>
-      <p:grpSp>
-        <p:nvGrpSpPr>
-          <p:cNvPr id="42" name="Group 41"/>
-          <p:cNvGrpSpPr/>
-          <p:nvPr/>
-        </p:nvGrpSpPr>
-        <p:grpSpPr>
-          <a:xfrm>
-            <a:off x="5354075" y="1274557"/>
-            <a:ext cx="830954" cy="958579"/>
-            <a:chOff x="5354075" y="1274557"/>
-            <a:chExt cx="830954" cy="958579"/>
-          </a:xfrm>
-        </p:grpSpPr>
-        <p:pic>
-          <p:nvPicPr>
-            <p:cNvPr id="5" name="Picture 6" descr="Resultado de imagen para elasticsearch logo png"/>
-            <p:cNvPicPr>
-              <a:picLocks noChangeAspect="1" noChangeArrowheads="1"/>
-            </p:cNvPicPr>
-            <p:nvPr/>
-          </p:nvPicPr>
-          <p:blipFill rotWithShape="1">
-            <a:blip r:embed="rId6" cstate="print">
-              <a:extLst>
-                <a:ext uri="{28A0092B-C50C-407E-A947-70E740481C1C}">
-                  <a14:useLocalDpi xmlns:a14="http://schemas.microsoft.com/office/drawing/2010/main" val="0"/>
-                </a:ext>
-              </a:extLst>
-            </a:blip>
-            <a:srcRect r="77613"/>
-            <a:stretch/>
-          </p:blipFill>
-          <p:spPr bwMode="auto">
-            <a:xfrm>
-              <a:off x="5354075" y="1274557"/>
-              <a:ext cx="804828" cy="958579"/>
-            </a:xfrm>
-            <a:prstGeom prst="rect">
-              <a:avLst/>
-            </a:prstGeom>
-            <a:noFill/>
-            <a:extLst>
-              <a:ext uri="{909E8E84-426E-40DD-AFC4-6F175D3DCCD1}">
-                <a14:hiddenFill xmlns:a14="http://schemas.microsoft.com/office/drawing/2010/main">
-                  <a:solidFill>
-                    <a:srgbClr val="FFFFFF"/>
-                  </a:solidFill>
-                </a14:hiddenFill>
-              </a:ext>
-            </a:extLst>
-          </p:spPr>
-        </p:pic>
-        <p:sp>
-          <p:nvSpPr>
-            <p:cNvPr id="39" name="Oval 38"/>
-            <p:cNvSpPr/>
-            <p:nvPr/>
-          </p:nvSpPr>
-          <p:spPr>
-            <a:xfrm>
-              <a:off x="5433200" y="1377601"/>
-              <a:ext cx="751829" cy="751829"/>
-            </a:xfrm>
-            <a:prstGeom prst="ellipse">
-              <a:avLst/>
-            </a:prstGeom>
-            <a:noFill/>
-            <a:ln w="38100">
-              <a:solidFill>
-                <a:srgbClr val="00B0F0"/>
-              </a:solidFill>
-            </a:ln>
-          </p:spPr>
-          <p:style>
-            <a:lnRef idx="2">
-              <a:schemeClr val="accent1">
-                <a:shade val="50000"/>
-              </a:schemeClr>
-            </a:lnRef>
-            <a:fillRef idx="1">
-              <a:schemeClr val="accent1"/>
-            </a:fillRef>
-            <a:effectRef idx="0">
-              <a:schemeClr val="accent1"/>
-            </a:effectRef>
-            <a:fontRef idx="minor">
-              <a:schemeClr val="lt1"/>
-            </a:fontRef>
-          </p:style>
-          <p:txBody>
-            <a:bodyPr rtlCol="0" anchor="ctr"/>
-            <a:lstStyle/>
-            <a:p>
-              <a:pPr algn="ctr"/>
-              <a:endParaRPr lang="es-419"/>
-            </a:p>
-          </p:txBody>
-        </p:sp>
-      </p:grpSp>
-      <p:grpSp>
-        <p:nvGrpSpPr>
-          <p:cNvPr id="43" name="Group 42"/>
-          <p:cNvGrpSpPr/>
-          <p:nvPr/>
-        </p:nvGrpSpPr>
-        <p:grpSpPr>
-          <a:xfrm>
-            <a:off x="5334040" y="2260876"/>
-            <a:ext cx="830954" cy="958579"/>
-            <a:chOff x="5354075" y="1274557"/>
-            <a:chExt cx="830954" cy="958579"/>
-          </a:xfrm>
-        </p:grpSpPr>
-        <p:pic>
-          <p:nvPicPr>
-            <p:cNvPr id="44" name="Picture 6" descr="Resultado de imagen para elasticsearch logo png"/>
-            <p:cNvPicPr>
-              <a:picLocks noChangeAspect="1" noChangeArrowheads="1"/>
-            </p:cNvPicPr>
-            <p:nvPr/>
-          </p:nvPicPr>
-          <p:blipFill rotWithShape="1">
-            <a:blip r:embed="rId6" cstate="print">
-              <a:extLst>
-                <a:ext uri="{28A0092B-C50C-407E-A947-70E740481C1C}">
-                  <a14:useLocalDpi xmlns:a14="http://schemas.microsoft.com/office/drawing/2010/main" val="0"/>
-                </a:ext>
-              </a:extLst>
-            </a:blip>
-            <a:srcRect r="77613"/>
-            <a:stretch/>
-          </p:blipFill>
-          <p:spPr bwMode="auto">
-            <a:xfrm>
-              <a:off x="5354075" y="1274557"/>
-              <a:ext cx="804828" cy="958579"/>
-            </a:xfrm>
-            <a:prstGeom prst="rect">
-              <a:avLst/>
-            </a:prstGeom>
-            <a:noFill/>
-            <a:extLst>
-              <a:ext uri="{909E8E84-426E-40DD-AFC4-6F175D3DCCD1}">
-                <a14:hiddenFill xmlns:a14="http://schemas.microsoft.com/office/drawing/2010/main">
-                  <a:solidFill>
-                    <a:srgbClr val="FFFFFF"/>
-                  </a:solidFill>
-                </a14:hiddenFill>
-              </a:ext>
-            </a:extLst>
-          </p:spPr>
-        </p:pic>
-        <p:sp>
-          <p:nvSpPr>
-            <p:cNvPr id="45" name="Oval 44"/>
-            <p:cNvSpPr/>
-            <p:nvPr/>
-          </p:nvSpPr>
-          <p:spPr>
-            <a:xfrm>
-              <a:off x="5433200" y="1377601"/>
-              <a:ext cx="751829" cy="751829"/>
-            </a:xfrm>
-            <a:prstGeom prst="ellipse">
-              <a:avLst/>
-            </a:prstGeom>
-            <a:noFill/>
-            <a:ln w="38100">
-              <a:solidFill>
-                <a:srgbClr val="00B0F0"/>
-              </a:solidFill>
-            </a:ln>
-          </p:spPr>
-          <p:style>
-            <a:lnRef idx="2">
-              <a:schemeClr val="accent1">
-                <a:shade val="50000"/>
-              </a:schemeClr>
-            </a:lnRef>
-            <a:fillRef idx="1">
-              <a:schemeClr val="accent1"/>
-            </a:fillRef>
-            <a:effectRef idx="0">
-              <a:schemeClr val="accent1"/>
-            </a:effectRef>
-            <a:fontRef idx="minor">
-              <a:schemeClr val="lt1"/>
-            </a:fontRef>
-          </p:style>
-          <p:txBody>
-            <a:bodyPr rtlCol="0" anchor="ctr"/>
-            <a:lstStyle/>
-            <a:p>
-              <a:pPr algn="ctr"/>
-              <a:endParaRPr lang="es-419"/>
-            </a:p>
-          </p:txBody>
-        </p:sp>
-      </p:grpSp>
-      <p:grpSp>
-        <p:nvGrpSpPr>
-          <p:cNvPr id="46" name="Group 45"/>
-          <p:cNvGrpSpPr/>
-          <p:nvPr/>
-        </p:nvGrpSpPr>
-        <p:grpSpPr>
-          <a:xfrm>
-            <a:off x="5354598" y="3221180"/>
-            <a:ext cx="830954" cy="958579"/>
-            <a:chOff x="5354075" y="1274557"/>
-            <a:chExt cx="830954" cy="958579"/>
-          </a:xfrm>
-        </p:grpSpPr>
-        <p:pic>
-          <p:nvPicPr>
-            <p:cNvPr id="47" name="Picture 6" descr="Resultado de imagen para elasticsearch logo png"/>
-            <p:cNvPicPr>
-              <a:picLocks noChangeAspect="1" noChangeArrowheads="1"/>
-            </p:cNvPicPr>
-            <p:nvPr/>
-          </p:nvPicPr>
-          <p:blipFill rotWithShape="1">
-            <a:blip r:embed="rId6" cstate="print">
-              <a:extLst>
-                <a:ext uri="{28A0092B-C50C-407E-A947-70E740481C1C}">
-                  <a14:useLocalDpi xmlns:a14="http://schemas.microsoft.com/office/drawing/2010/main" val="0"/>
-                </a:ext>
-              </a:extLst>
-            </a:blip>
-            <a:srcRect r="77613"/>
-            <a:stretch/>
-          </p:blipFill>
-          <p:spPr bwMode="auto">
-            <a:xfrm>
-              <a:off x="5354075" y="1274557"/>
-              <a:ext cx="804828" cy="958579"/>
-            </a:xfrm>
-            <a:prstGeom prst="rect">
-              <a:avLst/>
-            </a:prstGeom>
-            <a:noFill/>
-            <a:extLst>
-              <a:ext uri="{909E8E84-426E-40DD-AFC4-6F175D3DCCD1}">
-                <a14:hiddenFill xmlns:a14="http://schemas.microsoft.com/office/drawing/2010/main">
-                  <a:solidFill>
-                    <a:srgbClr val="FFFFFF"/>
-                  </a:solidFill>
-                </a14:hiddenFill>
-              </a:ext>
-            </a:extLst>
-          </p:spPr>
-        </p:pic>
-        <p:sp>
-          <p:nvSpPr>
-            <p:cNvPr id="48" name="Oval 47"/>
-            <p:cNvSpPr/>
-            <p:nvPr/>
-          </p:nvSpPr>
-          <p:spPr>
-            <a:xfrm>
-              <a:off x="5433200" y="1377601"/>
-              <a:ext cx="751829" cy="751829"/>
-            </a:xfrm>
-            <a:prstGeom prst="ellipse">
-              <a:avLst/>
-            </a:prstGeom>
-            <a:noFill/>
-            <a:ln w="38100">
-              <a:solidFill>
-                <a:srgbClr val="00B0F0"/>
-              </a:solidFill>
-            </a:ln>
-          </p:spPr>
-          <p:style>
-            <a:lnRef idx="2">
-              <a:schemeClr val="accent1">
-                <a:shade val="50000"/>
-              </a:schemeClr>
-            </a:lnRef>
-            <a:fillRef idx="1">
-              <a:schemeClr val="accent1"/>
-            </a:fillRef>
-            <a:effectRef idx="0">
-              <a:schemeClr val="accent1"/>
-            </a:effectRef>
-            <a:fontRef idx="minor">
-              <a:schemeClr val="lt1"/>
-            </a:fontRef>
-          </p:style>
-          <p:txBody>
-            <a:bodyPr rtlCol="0" anchor="ctr"/>
-            <a:lstStyle/>
-            <a:p>
-              <a:pPr algn="ctr"/>
-              <a:endParaRPr lang="es-419"/>
-            </a:p>
-          </p:txBody>
-        </p:sp>
-      </p:grpSp>
-      <p:sp>
-        <p:nvSpPr>
-          <p:cNvPr id="49" name="TextBox 48"/>
-          <p:cNvSpPr txBox="1"/>
-          <p:nvPr/>
-        </p:nvSpPr>
-        <p:spPr>
-          <a:xfrm>
-            <a:off x="5202185" y="1080717"/>
-            <a:ext cx="1171667" cy="276999"/>
-          </a:xfrm>
-          <a:prstGeom prst="rect">
-            <a:avLst/>
-          </a:prstGeom>
-          <a:noFill/>
-        </p:spPr>
-        <p:txBody>
-          <a:bodyPr wrap="none" rtlCol="0">
-            <a:spAutoFit/>
-          </a:bodyPr>
-          <a:lstStyle/>
-          <a:p>
-            <a:r>
-              <a:rPr lang="es-419" sz="1200" b="1" dirty="0">
-                <a:latin typeface="Calibri" panose="020F0502020204030204" pitchFamily="34" charset="0"/>
-                <a:cs typeface="Calibri" panose="020F0502020204030204" pitchFamily="34" charset="0"/>
-              </a:rPr>
-              <a:t>WTW_CLUSTER</a:t>
-            </a:r>
-          </a:p>
-        </p:txBody>
-      </p:sp>
-    </p:spTree>
-    <p:extLst>
-      <p:ext uri="{BB962C8B-B14F-4D97-AF65-F5344CB8AC3E}">
-        <p14:creationId xmlns:p14="http://schemas.microsoft.com/office/powerpoint/2010/main" val="801735334"/>
-      </p:ext>
-    </p:extLst>
-  </p:cSld>
-  <p:clrMapOvr>
-    <a:masterClrMapping/>
-  </p:clrMapOvr>
-</p:sld>
-</file>
-
-<file path=ppt/slides/slide22.xml><?xml version="1.0" encoding="utf-8"?>
-<p:sld xmlns:a="http://schemas.openxmlformats.org/drawingml/2006/main" xmlns:r="http://schemas.openxmlformats.org/officeDocument/2006/relationships" xmlns:p="http://schemas.openxmlformats.org/presentationml/2006/main">
-  <p:cSld>
-    <p:spTree>
-      <p:nvGrpSpPr>
-        <p:cNvPr id="1" name=""/>
-        <p:cNvGrpSpPr/>
-        <p:nvPr/>
-      </p:nvGrpSpPr>
-      <p:grpSpPr>
-        <a:xfrm>
-          <a:off x="0" y="0"/>
-          <a:ext cx="0" cy="0"/>
-          <a:chOff x="0" y="0"/>
-          <a:chExt cx="0" cy="0"/>
-        </a:xfrm>
-      </p:grpSpPr>
       <p:pic>
         <p:nvPicPr>
           <p:cNvPr id="2" name="Imagen 1">
@@ -16766,7 +15578,7 @@
 </p:sld>
 </file>
 
-<file path=ppt/slides/slide23.xml><?xml version="1.0" encoding="utf-8"?>
+<file path=ppt/slides/slide22.xml><?xml version="1.0" encoding="utf-8"?>
 <p:sld xmlns:a="http://schemas.openxmlformats.org/drawingml/2006/main" xmlns:r="http://schemas.openxmlformats.org/officeDocument/2006/relationships" xmlns:p="http://schemas.openxmlformats.org/presentationml/2006/main">
   <p:cSld>
     <p:spTree>
@@ -17165,7 +15977,7 @@
 </p:sld>
 </file>
 
-<file path=ppt/slides/slide24.xml><?xml version="1.0" encoding="utf-8"?>
+<file path=ppt/slides/slide23.xml><?xml version="1.0" encoding="utf-8"?>
 <p:sld xmlns:a="http://schemas.openxmlformats.org/drawingml/2006/main" xmlns:r="http://schemas.openxmlformats.org/officeDocument/2006/relationships" xmlns:p="http://schemas.openxmlformats.org/presentationml/2006/main">
   <p:cSld>
     <p:spTree>
@@ -17350,7 +16162,7 @@
 </p:sld>
 </file>
 
-<file path=ppt/slides/slide25.xml><?xml version="1.0" encoding="utf-8"?>
+<file path=ppt/slides/slide24.xml><?xml version="1.0" encoding="utf-8"?>
 <p:sld xmlns:a="http://schemas.openxmlformats.org/drawingml/2006/main" xmlns:r="http://schemas.openxmlformats.org/officeDocument/2006/relationships" xmlns:p="http://schemas.openxmlformats.org/presentationml/2006/main">
   <p:cSld>
     <p:spTree>
@@ -18784,7 +17596,7 @@
 </p:sld>
 </file>
 
-<file path=ppt/slides/slide26.xml><?xml version="1.0" encoding="utf-8"?>
+<file path=ppt/slides/slide25.xml><?xml version="1.0" encoding="utf-8"?>
 <p:sld xmlns:a="http://schemas.openxmlformats.org/drawingml/2006/main" xmlns:r="http://schemas.openxmlformats.org/officeDocument/2006/relationships" xmlns:p="http://schemas.openxmlformats.org/presentationml/2006/main">
   <p:cSld>
     <p:spTree>
@@ -18914,7 +17726,7 @@
 </p:sld>
 </file>
 
-<file path=ppt/slides/slide27.xml><?xml version="1.0" encoding="utf-8"?>
+<file path=ppt/slides/slide26.xml><?xml version="1.0" encoding="utf-8"?>
 <p:sld xmlns:a="http://schemas.openxmlformats.org/drawingml/2006/main" xmlns:r="http://schemas.openxmlformats.org/officeDocument/2006/relationships" xmlns:p="http://schemas.openxmlformats.org/presentationml/2006/main">
   <p:cSld>
     <p:spTree>
@@ -19738,7 +18550,7 @@
 </p:sld>
 </file>
 
-<file path=ppt/slides/slide28.xml><?xml version="1.0" encoding="utf-8"?>
+<file path=ppt/slides/slide27.xml><?xml version="1.0" encoding="utf-8"?>
 <p:sld xmlns:a="http://schemas.openxmlformats.org/drawingml/2006/main" xmlns:r="http://schemas.openxmlformats.org/officeDocument/2006/relationships" xmlns:p="http://schemas.openxmlformats.org/presentationml/2006/main">
   <p:cSld>
     <p:spTree>

--- a/demo1.pptx
+++ b/demo1.pptx
@@ -5,7 +5,7 @@
     <p:sldMasterId id="2147483677" r:id="rId1"/>
   </p:sldMasterIdLst>
   <p:notesMasterIdLst>
-    <p:notesMasterId r:id="rId30"/>
+    <p:notesMasterId r:id="rId29"/>
   </p:notesMasterIdLst>
   <p:sldIdLst>
     <p:sldId id="259" r:id="rId2"/>
@@ -28,14 +28,13 @@
     <p:sldId id="286" r:id="rId19"/>
     <p:sldId id="287" r:id="rId20"/>
     <p:sldId id="288" r:id="rId21"/>
-    <p:sldId id="294" r:id="rId22"/>
-    <p:sldId id="289" r:id="rId23"/>
-    <p:sldId id="290" r:id="rId24"/>
-    <p:sldId id="291" r:id="rId25"/>
-    <p:sldId id="292" r:id="rId26"/>
-    <p:sldId id="293" r:id="rId27"/>
-    <p:sldId id="278" r:id="rId28"/>
-    <p:sldId id="279" r:id="rId29"/>
+    <p:sldId id="289" r:id="rId22"/>
+    <p:sldId id="290" r:id="rId23"/>
+    <p:sldId id="291" r:id="rId24"/>
+    <p:sldId id="292" r:id="rId25"/>
+    <p:sldId id="293" r:id="rId26"/>
+    <p:sldId id="278" r:id="rId27"/>
+    <p:sldId id="279" r:id="rId28"/>
   </p:sldIdLst>
   <p:sldSz cx="12192000" cy="6858000"/>
   <p:notesSz cx="6858000" cy="9144000"/>
@@ -250,7 +249,7 @@
           <a:p>
             <a:fld id="{A6F0AEFD-6695-4F3D-94CE-148644A92D25}" type="datetimeFigureOut">
               <a:rPr lang="en-US" smtClean="0"/>
-              <a:t>2/13/20</a:t>
+              <a:t>2/28/20</a:t>
             </a:fld>
             <a:endParaRPr lang="en-US"/>
           </a:p>
@@ -2137,7 +2136,7 @@
           <a:p>
             <a:fld id="{EA0779A5-1675-4FFA-99F4-DBCC810B5C39}" type="datetimeFigureOut">
               <a:rPr lang="en-US" smtClean="0"/>
-              <a:t>2/13/20</a:t>
+              <a:t>2/28/20</a:t>
             </a:fld>
             <a:endParaRPr lang="en-US"/>
           </a:p>
@@ -2337,7 +2336,7 @@
           <a:p>
             <a:fld id="{EA0779A5-1675-4FFA-99F4-DBCC810B5C39}" type="datetimeFigureOut">
               <a:rPr lang="en-US" smtClean="0"/>
-              <a:t>2/13/20</a:t>
+              <a:t>2/28/20</a:t>
             </a:fld>
             <a:endParaRPr lang="en-US"/>
           </a:p>
@@ -2547,7 +2546,7 @@
           <a:p>
             <a:fld id="{EA0779A5-1675-4FFA-99F4-DBCC810B5C39}" type="datetimeFigureOut">
               <a:rPr lang="en-US" smtClean="0"/>
-              <a:t>2/13/20</a:t>
+              <a:t>2/28/20</a:t>
             </a:fld>
             <a:endParaRPr lang="en-US"/>
           </a:p>
@@ -2747,7 +2746,7 @@
           <a:p>
             <a:fld id="{EA0779A5-1675-4FFA-99F4-DBCC810B5C39}" type="datetimeFigureOut">
               <a:rPr lang="en-US" smtClean="0"/>
-              <a:t>2/13/20</a:t>
+              <a:t>2/28/20</a:t>
             </a:fld>
             <a:endParaRPr lang="en-US"/>
           </a:p>
@@ -3023,7 +3022,7 @@
           <a:p>
             <a:fld id="{EA0779A5-1675-4FFA-99F4-DBCC810B5C39}" type="datetimeFigureOut">
               <a:rPr lang="en-US" smtClean="0"/>
-              <a:t>2/13/20</a:t>
+              <a:t>2/28/20</a:t>
             </a:fld>
             <a:endParaRPr lang="en-US"/>
           </a:p>
@@ -3291,7 +3290,7 @@
           <a:p>
             <a:fld id="{EA0779A5-1675-4FFA-99F4-DBCC810B5C39}" type="datetimeFigureOut">
               <a:rPr lang="en-US" smtClean="0"/>
-              <a:t>2/13/20</a:t>
+              <a:t>2/28/20</a:t>
             </a:fld>
             <a:endParaRPr lang="en-US"/>
           </a:p>
@@ -3706,7 +3705,7 @@
           <a:p>
             <a:fld id="{EA0779A5-1675-4FFA-99F4-DBCC810B5C39}" type="datetimeFigureOut">
               <a:rPr lang="en-US" smtClean="0"/>
-              <a:t>2/13/20</a:t>
+              <a:t>2/28/20</a:t>
             </a:fld>
             <a:endParaRPr lang="en-US"/>
           </a:p>
@@ -3848,7 +3847,7 @@
           <a:p>
             <a:fld id="{EA0779A5-1675-4FFA-99F4-DBCC810B5C39}" type="datetimeFigureOut">
               <a:rPr lang="en-US" smtClean="0"/>
-              <a:t>2/13/20</a:t>
+              <a:t>2/28/20</a:t>
             </a:fld>
             <a:endParaRPr lang="en-US"/>
           </a:p>
@@ -3961,7 +3960,7 @@
           <a:p>
             <a:fld id="{EA0779A5-1675-4FFA-99F4-DBCC810B5C39}" type="datetimeFigureOut">
               <a:rPr lang="en-US" smtClean="0"/>
-              <a:t>2/13/20</a:t>
+              <a:t>2/28/20</a:t>
             </a:fld>
             <a:endParaRPr lang="en-US"/>
           </a:p>
@@ -4274,7 +4273,7 @@
           <a:p>
             <a:fld id="{EA0779A5-1675-4FFA-99F4-DBCC810B5C39}" type="datetimeFigureOut">
               <a:rPr lang="en-US" smtClean="0"/>
-              <a:t>2/13/20</a:t>
+              <a:t>2/28/20</a:t>
             </a:fld>
             <a:endParaRPr lang="en-US"/>
           </a:p>
@@ -4563,7 +4562,7 @@
           <a:p>
             <a:fld id="{EA0779A5-1675-4FFA-99F4-DBCC810B5C39}" type="datetimeFigureOut">
               <a:rPr lang="en-US" smtClean="0"/>
-              <a:t>2/13/20</a:t>
+              <a:t>2/28/20</a:t>
             </a:fld>
             <a:endParaRPr lang="en-US"/>
           </a:p>
@@ -4806,7 +4805,7 @@
           <a:p>
             <a:fld id="{EA0779A5-1675-4FFA-99F4-DBCC810B5C39}" type="datetimeFigureOut">
               <a:rPr lang="en-US" smtClean="0"/>
-              <a:t>2/13/20</a:t>
+              <a:t>2/28/20</a:t>
             </a:fld>
             <a:endParaRPr lang="en-US"/>
           </a:p>
@@ -15536,1193 +15535,6 @@
           <a:chExt cx="0" cy="0"/>
         </a:xfrm>
       </p:grpSpPr>
-      <p:sp>
-        <p:nvSpPr>
-          <p:cNvPr id="9" name="Rectangle 8"/>
-          <p:cNvSpPr/>
-          <p:nvPr/>
-        </p:nvSpPr>
-        <p:spPr>
-          <a:xfrm>
-            <a:off x="5083752" y="1090854"/>
-            <a:ext cx="1345474" cy="3177487"/>
-          </a:xfrm>
-          <a:prstGeom prst="rect">
-            <a:avLst/>
-          </a:prstGeom>
-          <a:noFill/>
-          <a:ln w="57150">
-            <a:solidFill>
-              <a:srgbClr val="00B0F0"/>
-            </a:solidFill>
-          </a:ln>
-        </p:spPr>
-        <p:style>
-          <a:lnRef idx="2">
-            <a:schemeClr val="accent1">
-              <a:shade val="50000"/>
-            </a:schemeClr>
-          </a:lnRef>
-          <a:fillRef idx="1">
-            <a:schemeClr val="accent1"/>
-          </a:fillRef>
-          <a:effectRef idx="0">
-            <a:schemeClr val="accent1"/>
-          </a:effectRef>
-          <a:fontRef idx="minor">
-            <a:schemeClr val="lt1"/>
-          </a:fontRef>
-        </p:style>
-        <p:txBody>
-          <a:bodyPr rtlCol="0" anchor="ctr"/>
-          <a:lstStyle/>
-          <a:p>
-            <a:pPr algn="ctr"/>
-            <a:endParaRPr lang="es-419"/>
-          </a:p>
-        </p:txBody>
-      </p:sp>
-      <p:grpSp>
-        <p:nvGrpSpPr>
-          <p:cNvPr id="12" name="Group 11"/>
-          <p:cNvGrpSpPr/>
-          <p:nvPr/>
-        </p:nvGrpSpPr>
-        <p:grpSpPr>
-          <a:xfrm>
-            <a:off x="1198022" y="444138"/>
-            <a:ext cx="1115878" cy="1325985"/>
-            <a:chOff x="1198022" y="444138"/>
-            <a:chExt cx="1115878" cy="1325985"/>
-          </a:xfrm>
-        </p:grpSpPr>
-        <p:pic>
-          <p:nvPicPr>
-            <p:cNvPr id="2" name="Picture 2">
-              <a:extLst>
-                <a:ext uri="{FF2B5EF4-FFF2-40B4-BE49-F238E27FC236}">
-                  <a16:creationId xmlns:a16="http://schemas.microsoft.com/office/drawing/2014/main" id="{B800DBDB-1341-484A-87A4-79D20D79CF01}"/>
-                </a:ext>
-              </a:extLst>
-            </p:cNvPr>
-            <p:cNvPicPr>
-              <a:picLocks noChangeAspect="1"/>
-            </p:cNvPicPr>
-            <p:nvPr/>
-          </p:nvPicPr>
-          <p:blipFill rotWithShape="1">
-            <a:blip r:embed="rId2"/>
-            <a:srcRect r="84453"/>
-            <a:stretch/>
-          </p:blipFill>
-          <p:spPr>
-            <a:xfrm>
-              <a:off x="1198022" y="444138"/>
-              <a:ext cx="1115878" cy="1325985"/>
-            </a:xfrm>
-            <a:prstGeom prst="rect">
-              <a:avLst/>
-            </a:prstGeom>
-            <a:solidFill>
-              <a:schemeClr val="bg1"/>
-            </a:solidFill>
-          </p:spPr>
-        </p:pic>
-        <p:pic>
-          <p:nvPicPr>
-            <p:cNvPr id="10" name="Picture 2" descr="Resultado de imagen para elastic beats logo png"/>
-            <p:cNvPicPr>
-              <a:picLocks noChangeAspect="1" noChangeArrowheads="1"/>
-            </p:cNvPicPr>
-            <p:nvPr/>
-          </p:nvPicPr>
-          <p:blipFill rotWithShape="1">
-            <a:blip r:embed="rId3" cstate="print">
-              <a:extLst>
-                <a:ext uri="{28A0092B-C50C-407E-A947-70E740481C1C}">
-                  <a14:useLocalDpi xmlns:a14="http://schemas.microsoft.com/office/drawing/2010/main" val="0"/>
-                </a:ext>
-              </a:extLst>
-            </a:blip>
-            <a:srcRect l="18823" r="58425"/>
-            <a:stretch/>
-          </p:blipFill>
-          <p:spPr bwMode="auto">
-            <a:xfrm>
-              <a:off x="1508677" y="682391"/>
-              <a:ext cx="494567" cy="539093"/>
-            </a:xfrm>
-            <a:prstGeom prst="rect">
-              <a:avLst/>
-            </a:prstGeom>
-            <a:noFill/>
-            <a:extLst>
-              <a:ext uri="{909E8E84-426E-40DD-AFC4-6F175D3DCCD1}">
-                <a14:hiddenFill xmlns:a14="http://schemas.microsoft.com/office/drawing/2010/main">
-                  <a:solidFill>
-                    <a:srgbClr val="FFFFFF"/>
-                  </a:solidFill>
-                </a14:hiddenFill>
-              </a:ext>
-            </a:extLst>
-          </p:spPr>
-        </p:pic>
-      </p:grpSp>
-      <p:grpSp>
-        <p:nvGrpSpPr>
-          <p:cNvPr id="13" name="Group 12"/>
-          <p:cNvGrpSpPr/>
-          <p:nvPr/>
-        </p:nvGrpSpPr>
-        <p:grpSpPr>
-          <a:xfrm>
-            <a:off x="1198021" y="2008376"/>
-            <a:ext cx="1115878" cy="1325985"/>
-            <a:chOff x="1198022" y="444138"/>
-            <a:chExt cx="1115878" cy="1325985"/>
-          </a:xfrm>
-        </p:grpSpPr>
-        <p:pic>
-          <p:nvPicPr>
-            <p:cNvPr id="14" name="Picture 2">
-              <a:extLst>
-                <a:ext uri="{FF2B5EF4-FFF2-40B4-BE49-F238E27FC236}">
-                  <a16:creationId xmlns:a16="http://schemas.microsoft.com/office/drawing/2014/main" id="{B800DBDB-1341-484A-87A4-79D20D79CF01}"/>
-                </a:ext>
-              </a:extLst>
-            </p:cNvPr>
-            <p:cNvPicPr>
-              <a:picLocks noChangeAspect="1"/>
-            </p:cNvPicPr>
-            <p:nvPr/>
-          </p:nvPicPr>
-          <p:blipFill rotWithShape="1">
-            <a:blip r:embed="rId2"/>
-            <a:srcRect r="84453"/>
-            <a:stretch/>
-          </p:blipFill>
-          <p:spPr>
-            <a:xfrm>
-              <a:off x="1198022" y="444138"/>
-              <a:ext cx="1115878" cy="1325985"/>
-            </a:xfrm>
-            <a:prstGeom prst="rect">
-              <a:avLst/>
-            </a:prstGeom>
-            <a:solidFill>
-              <a:schemeClr val="bg1"/>
-            </a:solidFill>
-          </p:spPr>
-        </p:pic>
-        <p:pic>
-          <p:nvPicPr>
-            <p:cNvPr id="15" name="Picture 2" descr="Resultado de imagen para elastic beats logo png"/>
-            <p:cNvPicPr>
-              <a:picLocks noChangeAspect="1" noChangeArrowheads="1"/>
-            </p:cNvPicPr>
-            <p:nvPr/>
-          </p:nvPicPr>
-          <p:blipFill rotWithShape="1">
-            <a:blip r:embed="rId3" cstate="print">
-              <a:extLst>
-                <a:ext uri="{28A0092B-C50C-407E-A947-70E740481C1C}">
-                  <a14:useLocalDpi xmlns:a14="http://schemas.microsoft.com/office/drawing/2010/main" val="0"/>
-                </a:ext>
-              </a:extLst>
-            </a:blip>
-            <a:srcRect l="18823" r="58425"/>
-            <a:stretch/>
-          </p:blipFill>
-          <p:spPr bwMode="auto">
-            <a:xfrm>
-              <a:off x="1508677" y="682391"/>
-              <a:ext cx="494567" cy="539093"/>
-            </a:xfrm>
-            <a:prstGeom prst="rect">
-              <a:avLst/>
-            </a:prstGeom>
-            <a:noFill/>
-            <a:extLst>
-              <a:ext uri="{909E8E84-426E-40DD-AFC4-6F175D3DCCD1}">
-                <a14:hiddenFill xmlns:a14="http://schemas.microsoft.com/office/drawing/2010/main">
-                  <a:solidFill>
-                    <a:srgbClr val="FFFFFF"/>
-                  </a:solidFill>
-                </a14:hiddenFill>
-              </a:ext>
-            </a:extLst>
-          </p:spPr>
-        </p:pic>
-      </p:grpSp>
-      <p:grpSp>
-        <p:nvGrpSpPr>
-          <p:cNvPr id="16" name="Group 15"/>
-          <p:cNvGrpSpPr/>
-          <p:nvPr/>
-        </p:nvGrpSpPr>
-        <p:grpSpPr>
-          <a:xfrm>
-            <a:off x="1198021" y="3523571"/>
-            <a:ext cx="1115878" cy="1325985"/>
-            <a:chOff x="1198022" y="444138"/>
-            <a:chExt cx="1115878" cy="1325985"/>
-          </a:xfrm>
-        </p:grpSpPr>
-        <p:pic>
-          <p:nvPicPr>
-            <p:cNvPr id="17" name="Picture 2">
-              <a:extLst>
-                <a:ext uri="{FF2B5EF4-FFF2-40B4-BE49-F238E27FC236}">
-                  <a16:creationId xmlns:a16="http://schemas.microsoft.com/office/drawing/2014/main" id="{B800DBDB-1341-484A-87A4-79D20D79CF01}"/>
-                </a:ext>
-              </a:extLst>
-            </p:cNvPr>
-            <p:cNvPicPr>
-              <a:picLocks noChangeAspect="1"/>
-            </p:cNvPicPr>
-            <p:nvPr/>
-          </p:nvPicPr>
-          <p:blipFill rotWithShape="1">
-            <a:blip r:embed="rId2"/>
-            <a:srcRect r="84453"/>
-            <a:stretch/>
-          </p:blipFill>
-          <p:spPr>
-            <a:xfrm>
-              <a:off x="1198022" y="444138"/>
-              <a:ext cx="1115878" cy="1325985"/>
-            </a:xfrm>
-            <a:prstGeom prst="rect">
-              <a:avLst/>
-            </a:prstGeom>
-            <a:solidFill>
-              <a:schemeClr val="bg1"/>
-            </a:solidFill>
-          </p:spPr>
-        </p:pic>
-        <p:pic>
-          <p:nvPicPr>
-            <p:cNvPr id="18" name="Picture 2" descr="Resultado de imagen para elastic beats logo png"/>
-            <p:cNvPicPr>
-              <a:picLocks noChangeAspect="1" noChangeArrowheads="1"/>
-            </p:cNvPicPr>
-            <p:nvPr/>
-          </p:nvPicPr>
-          <p:blipFill rotWithShape="1">
-            <a:blip r:embed="rId3" cstate="print">
-              <a:extLst>
-                <a:ext uri="{28A0092B-C50C-407E-A947-70E740481C1C}">
-                  <a14:useLocalDpi xmlns:a14="http://schemas.microsoft.com/office/drawing/2010/main" val="0"/>
-                </a:ext>
-              </a:extLst>
-            </a:blip>
-            <a:srcRect l="18823" r="58425"/>
-            <a:stretch/>
-          </p:blipFill>
-          <p:spPr bwMode="auto">
-            <a:xfrm>
-              <a:off x="1508677" y="682391"/>
-              <a:ext cx="494567" cy="539093"/>
-            </a:xfrm>
-            <a:prstGeom prst="rect">
-              <a:avLst/>
-            </a:prstGeom>
-            <a:noFill/>
-            <a:extLst>
-              <a:ext uri="{909E8E84-426E-40DD-AFC4-6F175D3DCCD1}">
-                <a14:hiddenFill xmlns:a14="http://schemas.microsoft.com/office/drawing/2010/main">
-                  <a:solidFill>
-                    <a:srgbClr val="FFFFFF"/>
-                  </a:solidFill>
-                </a14:hiddenFill>
-              </a:ext>
-            </a:extLst>
-          </p:spPr>
-        </p:pic>
-      </p:grpSp>
-      <p:pic>
-        <p:nvPicPr>
-          <p:cNvPr id="19" name="Picture 2" descr="Resultado de imagen para kibana"/>
-          <p:cNvPicPr>
-            <a:picLocks noChangeAspect="1" noChangeArrowheads="1"/>
-          </p:cNvPicPr>
-          <p:nvPr/>
-        </p:nvPicPr>
-        <p:blipFill rotWithShape="1">
-          <a:blip r:embed="rId4" cstate="print">
-            <a:extLst>
-              <a:ext uri="{28A0092B-C50C-407E-A947-70E740481C1C}">
-                <a14:useLocalDpi xmlns:a14="http://schemas.microsoft.com/office/drawing/2010/main" val="0"/>
-              </a:ext>
-            </a:extLst>
-          </a:blip>
-          <a:srcRect r="67435"/>
-          <a:stretch/>
-        </p:blipFill>
-        <p:spPr bwMode="auto">
-          <a:xfrm>
-            <a:off x="7536995" y="2191991"/>
-            <a:ext cx="694309" cy="975212"/>
-          </a:xfrm>
-          <a:prstGeom prst="rect">
-            <a:avLst/>
-          </a:prstGeom>
-          <a:noFill/>
-          <a:extLst>
-            <a:ext uri="{909E8E84-426E-40DD-AFC4-6F175D3DCCD1}">
-              <a14:hiddenFill xmlns:a14="http://schemas.microsoft.com/office/drawing/2010/main">
-                <a:solidFill>
-                  <a:srgbClr val="FFFFFF"/>
-                </a:solidFill>
-              </a14:hiddenFill>
-            </a:ext>
-          </a:extLst>
-        </p:spPr>
-      </p:pic>
-      <p:cxnSp>
-        <p:nvCxnSpPr>
-          <p:cNvPr id="22" name="Elbow Connector 21"/>
-          <p:cNvCxnSpPr>
-            <a:stCxn id="2" idx="3"/>
-            <a:endCxn id="8" idx="1"/>
-          </p:cNvCxnSpPr>
-          <p:nvPr/>
-        </p:nvCxnSpPr>
-        <p:spPr>
-          <a:xfrm>
-            <a:off x="2313900" y="1107131"/>
-            <a:ext cx="1107768" cy="1567754"/>
-          </a:xfrm>
-          <a:prstGeom prst="bentConnector3">
-            <a:avLst/>
-          </a:prstGeom>
-          <a:ln w="38100">
-            <a:solidFill>
-              <a:schemeClr val="tx1">
-                <a:lumMod val="50000"/>
-                <a:lumOff val="50000"/>
-              </a:schemeClr>
-            </a:solidFill>
-            <a:tailEnd type="triangle"/>
-          </a:ln>
-        </p:spPr>
-        <p:style>
-          <a:lnRef idx="1">
-            <a:schemeClr val="accent1"/>
-          </a:lnRef>
-          <a:fillRef idx="0">
-            <a:schemeClr val="accent1"/>
-          </a:fillRef>
-          <a:effectRef idx="0">
-            <a:schemeClr val="accent1"/>
-          </a:effectRef>
-          <a:fontRef idx="minor">
-            <a:schemeClr val="tx1"/>
-          </a:fontRef>
-        </p:style>
-      </p:cxnSp>
-      <p:cxnSp>
-        <p:nvCxnSpPr>
-          <p:cNvPr id="24" name="Elbow Connector 23"/>
-          <p:cNvCxnSpPr>
-            <a:stCxn id="17" idx="3"/>
-            <a:endCxn id="8" idx="1"/>
-          </p:cNvCxnSpPr>
-          <p:nvPr/>
-        </p:nvCxnSpPr>
-        <p:spPr>
-          <a:xfrm flipV="1">
-            <a:off x="2313899" y="2674885"/>
-            <a:ext cx="1107769" cy="1511679"/>
-          </a:xfrm>
-          <a:prstGeom prst="bentConnector3">
-            <a:avLst/>
-          </a:prstGeom>
-          <a:ln w="38100">
-            <a:solidFill>
-              <a:schemeClr val="tx1">
-                <a:lumMod val="50000"/>
-                <a:lumOff val="50000"/>
-              </a:schemeClr>
-            </a:solidFill>
-            <a:tailEnd type="triangle"/>
-          </a:ln>
-        </p:spPr>
-        <p:style>
-          <a:lnRef idx="1">
-            <a:schemeClr val="accent1"/>
-          </a:lnRef>
-          <a:fillRef idx="0">
-            <a:schemeClr val="accent1"/>
-          </a:fillRef>
-          <a:effectRef idx="0">
-            <a:schemeClr val="accent1"/>
-          </a:effectRef>
-          <a:fontRef idx="minor">
-            <a:schemeClr val="tx1"/>
-          </a:fontRef>
-        </p:style>
-      </p:cxnSp>
-      <p:cxnSp>
-        <p:nvCxnSpPr>
-          <p:cNvPr id="26" name="Elbow Connector 25"/>
-          <p:cNvCxnSpPr>
-            <a:stCxn id="14" idx="3"/>
-            <a:endCxn id="8" idx="1"/>
-          </p:cNvCxnSpPr>
-          <p:nvPr/>
-        </p:nvCxnSpPr>
-        <p:spPr>
-          <a:xfrm>
-            <a:off x="2313899" y="2671369"/>
-            <a:ext cx="1107769" cy="3516"/>
-          </a:xfrm>
-          <a:prstGeom prst="bentConnector3">
-            <a:avLst/>
-          </a:prstGeom>
-          <a:ln w="38100">
-            <a:solidFill>
-              <a:schemeClr val="tx1">
-                <a:lumMod val="50000"/>
-                <a:lumOff val="50000"/>
-              </a:schemeClr>
-            </a:solidFill>
-            <a:tailEnd type="triangle"/>
-          </a:ln>
-        </p:spPr>
-        <p:style>
-          <a:lnRef idx="1">
-            <a:schemeClr val="accent1"/>
-          </a:lnRef>
-          <a:fillRef idx="0">
-            <a:schemeClr val="accent1"/>
-          </a:fillRef>
-          <a:effectRef idx="0">
-            <a:schemeClr val="accent1"/>
-          </a:effectRef>
-          <a:fontRef idx="minor">
-            <a:schemeClr val="tx1"/>
-          </a:fontRef>
-        </p:style>
-      </p:cxnSp>
-      <p:cxnSp>
-        <p:nvCxnSpPr>
-          <p:cNvPr id="28" name="Straight Arrow Connector 27"/>
-          <p:cNvCxnSpPr>
-            <a:stCxn id="8" idx="3"/>
-            <a:endCxn id="9" idx="1"/>
-          </p:cNvCxnSpPr>
-          <p:nvPr/>
-        </p:nvCxnSpPr>
-        <p:spPr>
-          <a:xfrm>
-            <a:off x="4303315" y="2674885"/>
-            <a:ext cx="780437" cy="4713"/>
-          </a:xfrm>
-          <a:prstGeom prst="straightConnector1">
-            <a:avLst/>
-          </a:prstGeom>
-          <a:ln w="38100">
-            <a:solidFill>
-              <a:schemeClr val="tx1">
-                <a:lumMod val="50000"/>
-                <a:lumOff val="50000"/>
-              </a:schemeClr>
-            </a:solidFill>
-            <a:tailEnd type="triangle"/>
-          </a:ln>
-        </p:spPr>
-        <p:style>
-          <a:lnRef idx="1">
-            <a:schemeClr val="accent1"/>
-          </a:lnRef>
-          <a:fillRef idx="0">
-            <a:schemeClr val="accent1"/>
-          </a:fillRef>
-          <a:effectRef idx="0">
-            <a:schemeClr val="accent1"/>
-          </a:effectRef>
-          <a:fontRef idx="minor">
-            <a:schemeClr val="tx1"/>
-          </a:fontRef>
-        </p:style>
-      </p:cxnSp>
-      <p:cxnSp>
-        <p:nvCxnSpPr>
-          <p:cNvPr id="30" name="Straight Arrow Connector 29"/>
-          <p:cNvCxnSpPr>
-            <a:stCxn id="9" idx="3"/>
-            <a:endCxn id="19" idx="1"/>
-          </p:cNvCxnSpPr>
-          <p:nvPr/>
-        </p:nvCxnSpPr>
-        <p:spPr>
-          <a:xfrm flipV="1">
-            <a:off x="6429226" y="2679597"/>
-            <a:ext cx="1107769" cy="1"/>
-          </a:xfrm>
-          <a:prstGeom prst="straightConnector1">
-            <a:avLst/>
-          </a:prstGeom>
-          <a:ln w="38100">
-            <a:solidFill>
-              <a:srgbClr val="E9478B"/>
-            </a:solidFill>
-            <a:headEnd type="triangle" w="med" len="med"/>
-            <a:tailEnd type="triangle" w="med" len="med"/>
-          </a:ln>
-        </p:spPr>
-        <p:style>
-          <a:lnRef idx="1">
-            <a:schemeClr val="accent1"/>
-          </a:lnRef>
-          <a:fillRef idx="0">
-            <a:schemeClr val="accent1"/>
-          </a:fillRef>
-          <a:effectRef idx="0">
-            <a:schemeClr val="accent1"/>
-          </a:effectRef>
-          <a:fontRef idx="minor">
-            <a:schemeClr val="tx1"/>
-          </a:fontRef>
-        </p:style>
-      </p:cxnSp>
-      <p:grpSp>
-        <p:nvGrpSpPr>
-          <p:cNvPr id="33" name="Group 32"/>
-          <p:cNvGrpSpPr/>
-          <p:nvPr/>
-        </p:nvGrpSpPr>
-        <p:grpSpPr>
-          <a:xfrm>
-            <a:off x="3421668" y="2130314"/>
-            <a:ext cx="889026" cy="1089141"/>
-            <a:chOff x="3281674" y="2061604"/>
-            <a:chExt cx="995456" cy="1219528"/>
-          </a:xfrm>
-        </p:grpSpPr>
-        <p:pic>
-          <p:nvPicPr>
-            <p:cNvPr id="8" name="Picture 4" descr="Resultado de imagen para logstash logo png"/>
-            <p:cNvPicPr>
-              <a:picLocks noChangeAspect="1" noChangeArrowheads="1"/>
-            </p:cNvPicPr>
-            <p:nvPr/>
-          </p:nvPicPr>
-          <p:blipFill rotWithShape="1">
-            <a:blip r:embed="rId5">
-              <a:extLst>
-                <a:ext uri="{28A0092B-C50C-407E-A947-70E740481C1C}">
-                  <a14:useLocalDpi xmlns:a14="http://schemas.microsoft.com/office/drawing/2010/main" val="0"/>
-                </a:ext>
-              </a:extLst>
-            </a:blip>
-            <a:srcRect r="68098"/>
-            <a:stretch/>
-          </p:blipFill>
-          <p:spPr bwMode="auto">
-            <a:xfrm>
-              <a:off x="3281674" y="2061604"/>
-              <a:ext cx="987194" cy="1219528"/>
-            </a:xfrm>
-            <a:prstGeom prst="rect">
-              <a:avLst/>
-            </a:prstGeom>
-            <a:noFill/>
-            <a:extLst>
-              <a:ext uri="{909E8E84-426E-40DD-AFC4-6F175D3DCCD1}">
-                <a14:hiddenFill xmlns:a14="http://schemas.microsoft.com/office/drawing/2010/main">
-                  <a:solidFill>
-                    <a:srgbClr val="FFFFFF"/>
-                  </a:solidFill>
-                </a14:hiddenFill>
-              </a:ext>
-            </a:extLst>
-          </p:spPr>
-        </p:pic>
-        <p:sp>
-          <p:nvSpPr>
-            <p:cNvPr id="32" name="Oval 31"/>
-            <p:cNvSpPr/>
-            <p:nvPr/>
-          </p:nvSpPr>
-          <p:spPr>
-            <a:xfrm>
-              <a:off x="3283103" y="2199302"/>
-              <a:ext cx="994027" cy="994027"/>
-            </a:xfrm>
-            <a:prstGeom prst="ellipse">
-              <a:avLst/>
-            </a:prstGeom>
-            <a:noFill/>
-            <a:ln w="57150">
-              <a:solidFill>
-                <a:srgbClr val="FFC000"/>
-              </a:solidFill>
-            </a:ln>
-          </p:spPr>
-          <p:style>
-            <a:lnRef idx="2">
-              <a:schemeClr val="accent1">
-                <a:shade val="50000"/>
-              </a:schemeClr>
-            </a:lnRef>
-            <a:fillRef idx="1">
-              <a:schemeClr val="accent1"/>
-            </a:fillRef>
-            <a:effectRef idx="0">
-              <a:schemeClr val="accent1"/>
-            </a:effectRef>
-            <a:fontRef idx="minor">
-              <a:schemeClr val="lt1"/>
-            </a:fontRef>
-          </p:style>
-          <p:txBody>
-            <a:bodyPr rtlCol="0" anchor="ctr"/>
-            <a:lstStyle/>
-            <a:p>
-              <a:pPr algn="ctr"/>
-              <a:endParaRPr lang="es-419"/>
-            </a:p>
-          </p:txBody>
-        </p:sp>
-      </p:grpSp>
-      <p:sp>
-        <p:nvSpPr>
-          <p:cNvPr id="34" name="Oval 33"/>
-          <p:cNvSpPr/>
-          <p:nvPr/>
-        </p:nvSpPr>
-        <p:spPr>
-          <a:xfrm>
-            <a:off x="7490144" y="2214373"/>
-            <a:ext cx="861080" cy="861080"/>
-          </a:xfrm>
-          <a:prstGeom prst="ellipse">
-            <a:avLst/>
-          </a:prstGeom>
-          <a:noFill/>
-          <a:ln w="38100">
-            <a:solidFill>
-              <a:srgbClr val="E9478B"/>
-            </a:solidFill>
-          </a:ln>
-        </p:spPr>
-        <p:style>
-          <a:lnRef idx="2">
-            <a:schemeClr val="accent1">
-              <a:shade val="50000"/>
-            </a:schemeClr>
-          </a:lnRef>
-          <a:fillRef idx="1">
-            <a:schemeClr val="accent1"/>
-          </a:fillRef>
-          <a:effectRef idx="0">
-            <a:schemeClr val="accent1"/>
-          </a:effectRef>
-          <a:fontRef idx="minor">
-            <a:schemeClr val="lt1"/>
-          </a:fontRef>
-        </p:style>
-        <p:txBody>
-          <a:bodyPr rtlCol="0" anchor="ctr"/>
-          <a:lstStyle/>
-          <a:p>
-            <a:pPr algn="ctr"/>
-            <a:endParaRPr lang="es-419"/>
-          </a:p>
-        </p:txBody>
-      </p:sp>
-      <p:sp>
-        <p:nvSpPr>
-          <p:cNvPr id="35" name="TextBox 34"/>
-          <p:cNvSpPr txBox="1"/>
-          <p:nvPr/>
-        </p:nvSpPr>
-        <p:spPr>
-          <a:xfrm>
-            <a:off x="2898428" y="2418807"/>
-            <a:ext cx="505267" cy="276999"/>
-          </a:xfrm>
-          <a:prstGeom prst="rect">
-            <a:avLst/>
-          </a:prstGeom>
-          <a:noFill/>
-        </p:spPr>
-        <p:txBody>
-          <a:bodyPr wrap="none" rtlCol="0">
-            <a:spAutoFit/>
-          </a:bodyPr>
-          <a:lstStyle/>
-          <a:p>
-            <a:r>
-              <a:rPr lang="es-419" sz="1200" b="1" dirty="0">
-                <a:latin typeface="Calibri" panose="020F0502020204030204" pitchFamily="34" charset="0"/>
-                <a:cs typeface="Calibri" panose="020F0502020204030204" pitchFamily="34" charset="0"/>
-              </a:rPr>
-              <a:t>5044</a:t>
-            </a:r>
-          </a:p>
-        </p:txBody>
-      </p:sp>
-      <p:sp>
-        <p:nvSpPr>
-          <p:cNvPr id="36" name="TextBox 35"/>
-          <p:cNvSpPr txBox="1"/>
-          <p:nvPr/>
-        </p:nvSpPr>
-        <p:spPr>
-          <a:xfrm>
-            <a:off x="4361655" y="2418806"/>
-            <a:ext cx="498855" cy="276999"/>
-          </a:xfrm>
-          <a:prstGeom prst="rect">
-            <a:avLst/>
-          </a:prstGeom>
-          <a:noFill/>
-        </p:spPr>
-        <p:txBody>
-          <a:bodyPr wrap="none" rtlCol="0">
-            <a:spAutoFit/>
-          </a:bodyPr>
-          <a:lstStyle/>
-          <a:p>
-            <a:r>
-              <a:rPr lang="es-419" sz="1200" b="1" dirty="0">
-                <a:latin typeface="Calibri" panose="020F0502020204030204" pitchFamily="34" charset="0"/>
-                <a:cs typeface="Calibri" panose="020F0502020204030204" pitchFamily="34" charset="0"/>
-              </a:rPr>
-              <a:t>9200</a:t>
-            </a:r>
-          </a:p>
-        </p:txBody>
-      </p:sp>
-      <p:sp>
-        <p:nvSpPr>
-          <p:cNvPr id="37" name="TextBox 36"/>
-          <p:cNvSpPr txBox="1"/>
-          <p:nvPr/>
-        </p:nvSpPr>
-        <p:spPr>
-          <a:xfrm>
-            <a:off x="6522594" y="2389413"/>
-            <a:ext cx="498855" cy="276999"/>
-          </a:xfrm>
-          <a:prstGeom prst="rect">
-            <a:avLst/>
-          </a:prstGeom>
-          <a:noFill/>
-        </p:spPr>
-        <p:txBody>
-          <a:bodyPr wrap="none" rtlCol="0">
-            <a:spAutoFit/>
-          </a:bodyPr>
-          <a:lstStyle/>
-          <a:p>
-            <a:r>
-              <a:rPr lang="es-419" sz="1200" b="1" dirty="0">
-                <a:latin typeface="Calibri" panose="020F0502020204030204" pitchFamily="34" charset="0"/>
-                <a:cs typeface="Calibri" panose="020F0502020204030204" pitchFamily="34" charset="0"/>
-              </a:rPr>
-              <a:t>9200</a:t>
-            </a:r>
-          </a:p>
-        </p:txBody>
-      </p:sp>
-      <p:sp>
-        <p:nvSpPr>
-          <p:cNvPr id="38" name="TextBox 37"/>
-          <p:cNvSpPr txBox="1"/>
-          <p:nvPr/>
-        </p:nvSpPr>
-        <p:spPr>
-          <a:xfrm>
-            <a:off x="8398075" y="2399461"/>
-            <a:ext cx="498855" cy="276999"/>
-          </a:xfrm>
-          <a:prstGeom prst="rect">
-            <a:avLst/>
-          </a:prstGeom>
-          <a:noFill/>
-        </p:spPr>
-        <p:txBody>
-          <a:bodyPr wrap="none" rtlCol="0">
-            <a:spAutoFit/>
-          </a:bodyPr>
-          <a:lstStyle/>
-          <a:p>
-            <a:r>
-              <a:rPr lang="es-419" sz="1200" b="1" dirty="0">
-                <a:latin typeface="Calibri" panose="020F0502020204030204" pitchFamily="34" charset="0"/>
-                <a:cs typeface="Calibri" panose="020F0502020204030204" pitchFamily="34" charset="0"/>
-              </a:rPr>
-              <a:t>5601</a:t>
-            </a:r>
-          </a:p>
-        </p:txBody>
-      </p:sp>
-      <p:grpSp>
-        <p:nvGrpSpPr>
-          <p:cNvPr id="42" name="Group 41"/>
-          <p:cNvGrpSpPr/>
-          <p:nvPr/>
-        </p:nvGrpSpPr>
-        <p:grpSpPr>
-          <a:xfrm>
-            <a:off x="5354075" y="1274557"/>
-            <a:ext cx="830954" cy="958579"/>
-            <a:chOff x="5354075" y="1274557"/>
-            <a:chExt cx="830954" cy="958579"/>
-          </a:xfrm>
-        </p:grpSpPr>
-        <p:pic>
-          <p:nvPicPr>
-            <p:cNvPr id="5" name="Picture 6" descr="Resultado de imagen para elasticsearch logo png"/>
-            <p:cNvPicPr>
-              <a:picLocks noChangeAspect="1" noChangeArrowheads="1"/>
-            </p:cNvPicPr>
-            <p:nvPr/>
-          </p:nvPicPr>
-          <p:blipFill rotWithShape="1">
-            <a:blip r:embed="rId6" cstate="print">
-              <a:extLst>
-                <a:ext uri="{28A0092B-C50C-407E-A947-70E740481C1C}">
-                  <a14:useLocalDpi xmlns:a14="http://schemas.microsoft.com/office/drawing/2010/main" val="0"/>
-                </a:ext>
-              </a:extLst>
-            </a:blip>
-            <a:srcRect r="77613"/>
-            <a:stretch/>
-          </p:blipFill>
-          <p:spPr bwMode="auto">
-            <a:xfrm>
-              <a:off x="5354075" y="1274557"/>
-              <a:ext cx="804828" cy="958579"/>
-            </a:xfrm>
-            <a:prstGeom prst="rect">
-              <a:avLst/>
-            </a:prstGeom>
-            <a:noFill/>
-            <a:extLst>
-              <a:ext uri="{909E8E84-426E-40DD-AFC4-6F175D3DCCD1}">
-                <a14:hiddenFill xmlns:a14="http://schemas.microsoft.com/office/drawing/2010/main">
-                  <a:solidFill>
-                    <a:srgbClr val="FFFFFF"/>
-                  </a:solidFill>
-                </a14:hiddenFill>
-              </a:ext>
-            </a:extLst>
-          </p:spPr>
-        </p:pic>
-        <p:sp>
-          <p:nvSpPr>
-            <p:cNvPr id="39" name="Oval 38"/>
-            <p:cNvSpPr/>
-            <p:nvPr/>
-          </p:nvSpPr>
-          <p:spPr>
-            <a:xfrm>
-              <a:off x="5433200" y="1377601"/>
-              <a:ext cx="751829" cy="751829"/>
-            </a:xfrm>
-            <a:prstGeom prst="ellipse">
-              <a:avLst/>
-            </a:prstGeom>
-            <a:noFill/>
-            <a:ln w="38100">
-              <a:solidFill>
-                <a:srgbClr val="00B0F0"/>
-              </a:solidFill>
-            </a:ln>
-          </p:spPr>
-          <p:style>
-            <a:lnRef idx="2">
-              <a:schemeClr val="accent1">
-                <a:shade val="50000"/>
-              </a:schemeClr>
-            </a:lnRef>
-            <a:fillRef idx="1">
-              <a:schemeClr val="accent1"/>
-            </a:fillRef>
-            <a:effectRef idx="0">
-              <a:schemeClr val="accent1"/>
-            </a:effectRef>
-            <a:fontRef idx="minor">
-              <a:schemeClr val="lt1"/>
-            </a:fontRef>
-          </p:style>
-          <p:txBody>
-            <a:bodyPr rtlCol="0" anchor="ctr"/>
-            <a:lstStyle/>
-            <a:p>
-              <a:pPr algn="ctr"/>
-              <a:endParaRPr lang="es-419"/>
-            </a:p>
-          </p:txBody>
-        </p:sp>
-      </p:grpSp>
-      <p:grpSp>
-        <p:nvGrpSpPr>
-          <p:cNvPr id="43" name="Group 42"/>
-          <p:cNvGrpSpPr/>
-          <p:nvPr/>
-        </p:nvGrpSpPr>
-        <p:grpSpPr>
-          <a:xfrm>
-            <a:off x="5334040" y="2260876"/>
-            <a:ext cx="830954" cy="958579"/>
-            <a:chOff x="5354075" y="1274557"/>
-            <a:chExt cx="830954" cy="958579"/>
-          </a:xfrm>
-        </p:grpSpPr>
-        <p:pic>
-          <p:nvPicPr>
-            <p:cNvPr id="44" name="Picture 6" descr="Resultado de imagen para elasticsearch logo png"/>
-            <p:cNvPicPr>
-              <a:picLocks noChangeAspect="1" noChangeArrowheads="1"/>
-            </p:cNvPicPr>
-            <p:nvPr/>
-          </p:nvPicPr>
-          <p:blipFill rotWithShape="1">
-            <a:blip r:embed="rId6" cstate="print">
-              <a:extLst>
-                <a:ext uri="{28A0092B-C50C-407E-A947-70E740481C1C}">
-                  <a14:useLocalDpi xmlns:a14="http://schemas.microsoft.com/office/drawing/2010/main" val="0"/>
-                </a:ext>
-              </a:extLst>
-            </a:blip>
-            <a:srcRect r="77613"/>
-            <a:stretch/>
-          </p:blipFill>
-          <p:spPr bwMode="auto">
-            <a:xfrm>
-              <a:off x="5354075" y="1274557"/>
-              <a:ext cx="804828" cy="958579"/>
-            </a:xfrm>
-            <a:prstGeom prst="rect">
-              <a:avLst/>
-            </a:prstGeom>
-            <a:noFill/>
-            <a:extLst>
-              <a:ext uri="{909E8E84-426E-40DD-AFC4-6F175D3DCCD1}">
-                <a14:hiddenFill xmlns:a14="http://schemas.microsoft.com/office/drawing/2010/main">
-                  <a:solidFill>
-                    <a:srgbClr val="FFFFFF"/>
-                  </a:solidFill>
-                </a14:hiddenFill>
-              </a:ext>
-            </a:extLst>
-          </p:spPr>
-        </p:pic>
-        <p:sp>
-          <p:nvSpPr>
-            <p:cNvPr id="45" name="Oval 44"/>
-            <p:cNvSpPr/>
-            <p:nvPr/>
-          </p:nvSpPr>
-          <p:spPr>
-            <a:xfrm>
-              <a:off x="5433200" y="1377601"/>
-              <a:ext cx="751829" cy="751829"/>
-            </a:xfrm>
-            <a:prstGeom prst="ellipse">
-              <a:avLst/>
-            </a:prstGeom>
-            <a:noFill/>
-            <a:ln w="38100">
-              <a:solidFill>
-                <a:srgbClr val="00B0F0"/>
-              </a:solidFill>
-            </a:ln>
-          </p:spPr>
-          <p:style>
-            <a:lnRef idx="2">
-              <a:schemeClr val="accent1">
-                <a:shade val="50000"/>
-              </a:schemeClr>
-            </a:lnRef>
-            <a:fillRef idx="1">
-              <a:schemeClr val="accent1"/>
-            </a:fillRef>
-            <a:effectRef idx="0">
-              <a:schemeClr val="accent1"/>
-            </a:effectRef>
-            <a:fontRef idx="minor">
-              <a:schemeClr val="lt1"/>
-            </a:fontRef>
-          </p:style>
-          <p:txBody>
-            <a:bodyPr rtlCol="0" anchor="ctr"/>
-            <a:lstStyle/>
-            <a:p>
-              <a:pPr algn="ctr"/>
-              <a:endParaRPr lang="es-419"/>
-            </a:p>
-          </p:txBody>
-        </p:sp>
-      </p:grpSp>
-      <p:grpSp>
-        <p:nvGrpSpPr>
-          <p:cNvPr id="46" name="Group 45"/>
-          <p:cNvGrpSpPr/>
-          <p:nvPr/>
-        </p:nvGrpSpPr>
-        <p:grpSpPr>
-          <a:xfrm>
-            <a:off x="5354598" y="3221180"/>
-            <a:ext cx="830954" cy="958579"/>
-            <a:chOff x="5354075" y="1274557"/>
-            <a:chExt cx="830954" cy="958579"/>
-          </a:xfrm>
-        </p:grpSpPr>
-        <p:pic>
-          <p:nvPicPr>
-            <p:cNvPr id="47" name="Picture 6" descr="Resultado de imagen para elasticsearch logo png"/>
-            <p:cNvPicPr>
-              <a:picLocks noChangeAspect="1" noChangeArrowheads="1"/>
-            </p:cNvPicPr>
-            <p:nvPr/>
-          </p:nvPicPr>
-          <p:blipFill rotWithShape="1">
-            <a:blip r:embed="rId6" cstate="print">
-              <a:extLst>
-                <a:ext uri="{28A0092B-C50C-407E-A947-70E740481C1C}">
-                  <a14:useLocalDpi xmlns:a14="http://schemas.microsoft.com/office/drawing/2010/main" val="0"/>
-                </a:ext>
-              </a:extLst>
-            </a:blip>
-            <a:srcRect r="77613"/>
-            <a:stretch/>
-          </p:blipFill>
-          <p:spPr bwMode="auto">
-            <a:xfrm>
-              <a:off x="5354075" y="1274557"/>
-              <a:ext cx="804828" cy="958579"/>
-            </a:xfrm>
-            <a:prstGeom prst="rect">
-              <a:avLst/>
-            </a:prstGeom>
-            <a:noFill/>
-            <a:extLst>
-              <a:ext uri="{909E8E84-426E-40DD-AFC4-6F175D3DCCD1}">
-                <a14:hiddenFill xmlns:a14="http://schemas.microsoft.com/office/drawing/2010/main">
-                  <a:solidFill>
-                    <a:srgbClr val="FFFFFF"/>
-                  </a:solidFill>
-                </a14:hiddenFill>
-              </a:ext>
-            </a:extLst>
-          </p:spPr>
-        </p:pic>
-        <p:sp>
-          <p:nvSpPr>
-            <p:cNvPr id="48" name="Oval 47"/>
-            <p:cNvSpPr/>
-            <p:nvPr/>
-          </p:nvSpPr>
-          <p:spPr>
-            <a:xfrm>
-              <a:off x="5433200" y="1377601"/>
-              <a:ext cx="751829" cy="751829"/>
-            </a:xfrm>
-            <a:prstGeom prst="ellipse">
-              <a:avLst/>
-            </a:prstGeom>
-            <a:noFill/>
-            <a:ln w="38100">
-              <a:solidFill>
-                <a:srgbClr val="00B0F0"/>
-              </a:solidFill>
-            </a:ln>
-          </p:spPr>
-          <p:style>
-            <a:lnRef idx="2">
-              <a:schemeClr val="accent1">
-                <a:shade val="50000"/>
-              </a:schemeClr>
-            </a:lnRef>
-            <a:fillRef idx="1">
-              <a:schemeClr val="accent1"/>
-            </a:fillRef>
-            <a:effectRef idx="0">
-              <a:schemeClr val="accent1"/>
-            </a:effectRef>
-            <a:fontRef idx="minor">
-              <a:schemeClr val="lt1"/>
-            </a:fontRef>
-          </p:style>
-          <p:txBody>
-            <a:bodyPr rtlCol="0" anchor="ctr"/>
-            <a:lstStyle/>
-            <a:p>
-              <a:pPr algn="ctr"/>
-              <a:endParaRPr lang="es-419"/>
-            </a:p>
-          </p:txBody>
-        </p:sp>
-      </p:grpSp>
-      <p:sp>
-        <p:nvSpPr>
-          <p:cNvPr id="49" name="TextBox 48"/>
-          <p:cNvSpPr txBox="1"/>
-          <p:nvPr/>
-        </p:nvSpPr>
-        <p:spPr>
-          <a:xfrm>
-            <a:off x="5202185" y="1080717"/>
-            <a:ext cx="1171667" cy="276999"/>
-          </a:xfrm>
-          <a:prstGeom prst="rect">
-            <a:avLst/>
-          </a:prstGeom>
-          <a:noFill/>
-        </p:spPr>
-        <p:txBody>
-          <a:bodyPr wrap="none" rtlCol="0">
-            <a:spAutoFit/>
-          </a:bodyPr>
-          <a:lstStyle/>
-          <a:p>
-            <a:r>
-              <a:rPr lang="es-419" sz="1200" b="1" dirty="0">
-                <a:latin typeface="Calibri" panose="020F0502020204030204" pitchFamily="34" charset="0"/>
-                <a:cs typeface="Calibri" panose="020F0502020204030204" pitchFamily="34" charset="0"/>
-              </a:rPr>
-              <a:t>WTW_CLUSTER</a:t>
-            </a:r>
-          </a:p>
-        </p:txBody>
-      </p:sp>
-    </p:spTree>
-    <p:extLst>
-      <p:ext uri="{BB962C8B-B14F-4D97-AF65-F5344CB8AC3E}">
-        <p14:creationId xmlns:p14="http://schemas.microsoft.com/office/powerpoint/2010/main" val="801735334"/>
-      </p:ext>
-    </p:extLst>
-  </p:cSld>
-  <p:clrMapOvr>
-    <a:masterClrMapping/>
-  </p:clrMapOvr>
-</p:sld>
-</file>
-
-<file path=ppt/slides/slide22.xml><?xml version="1.0" encoding="utf-8"?>
-<p:sld xmlns:a="http://schemas.openxmlformats.org/drawingml/2006/main" xmlns:r="http://schemas.openxmlformats.org/officeDocument/2006/relationships" xmlns:p="http://schemas.openxmlformats.org/presentationml/2006/main">
-  <p:cSld>
-    <p:spTree>
-      <p:nvGrpSpPr>
-        <p:cNvPr id="1" name=""/>
-        <p:cNvGrpSpPr/>
-        <p:nvPr/>
-      </p:nvGrpSpPr>
-      <p:grpSpPr>
-        <a:xfrm>
-          <a:off x="0" y="0"/>
-          <a:ext cx="0" cy="0"/>
-          <a:chOff x="0" y="0"/>
-          <a:chExt cx="0" cy="0"/>
-        </a:xfrm>
-      </p:grpSpPr>
       <p:pic>
         <p:nvPicPr>
           <p:cNvPr id="2" name="Imagen 1">
@@ -16766,7 +15578,7 @@
 </p:sld>
 </file>
 
-<file path=ppt/slides/slide23.xml><?xml version="1.0" encoding="utf-8"?>
+<file path=ppt/slides/slide22.xml><?xml version="1.0" encoding="utf-8"?>
 <p:sld xmlns:a="http://schemas.openxmlformats.org/drawingml/2006/main" xmlns:r="http://schemas.openxmlformats.org/officeDocument/2006/relationships" xmlns:p="http://schemas.openxmlformats.org/presentationml/2006/main">
   <p:cSld>
     <p:spTree>
@@ -17165,7 +15977,7 @@
 </p:sld>
 </file>
 
-<file path=ppt/slides/slide24.xml><?xml version="1.0" encoding="utf-8"?>
+<file path=ppt/slides/slide23.xml><?xml version="1.0" encoding="utf-8"?>
 <p:sld xmlns:a="http://schemas.openxmlformats.org/drawingml/2006/main" xmlns:r="http://schemas.openxmlformats.org/officeDocument/2006/relationships" xmlns:p="http://schemas.openxmlformats.org/presentationml/2006/main">
   <p:cSld>
     <p:spTree>
@@ -17350,7 +16162,7 @@
 </p:sld>
 </file>
 
-<file path=ppt/slides/slide25.xml><?xml version="1.0" encoding="utf-8"?>
+<file path=ppt/slides/slide24.xml><?xml version="1.0" encoding="utf-8"?>
 <p:sld xmlns:a="http://schemas.openxmlformats.org/drawingml/2006/main" xmlns:r="http://schemas.openxmlformats.org/officeDocument/2006/relationships" xmlns:p="http://schemas.openxmlformats.org/presentationml/2006/main">
   <p:cSld>
     <p:spTree>
@@ -18784,7 +17596,7 @@
 </p:sld>
 </file>
 
-<file path=ppt/slides/slide26.xml><?xml version="1.0" encoding="utf-8"?>
+<file path=ppt/slides/slide25.xml><?xml version="1.0" encoding="utf-8"?>
 <p:sld xmlns:a="http://schemas.openxmlformats.org/drawingml/2006/main" xmlns:r="http://schemas.openxmlformats.org/officeDocument/2006/relationships" xmlns:p="http://schemas.openxmlformats.org/presentationml/2006/main">
   <p:cSld>
     <p:spTree>
@@ -18914,7 +17726,7 @@
 </p:sld>
 </file>
 
-<file path=ppt/slides/slide27.xml><?xml version="1.0" encoding="utf-8"?>
+<file path=ppt/slides/slide26.xml><?xml version="1.0" encoding="utf-8"?>
 <p:sld xmlns:a="http://schemas.openxmlformats.org/drawingml/2006/main" xmlns:r="http://schemas.openxmlformats.org/officeDocument/2006/relationships" xmlns:p="http://schemas.openxmlformats.org/presentationml/2006/main">
   <p:cSld>
     <p:spTree>
@@ -19738,7 +18550,7 @@
 </p:sld>
 </file>
 
-<file path=ppt/slides/slide28.xml><?xml version="1.0" encoding="utf-8"?>
+<file path=ppt/slides/slide27.xml><?xml version="1.0" encoding="utf-8"?>
 <p:sld xmlns:a="http://schemas.openxmlformats.org/drawingml/2006/main" xmlns:r="http://schemas.openxmlformats.org/officeDocument/2006/relationships" xmlns:p="http://schemas.openxmlformats.org/presentationml/2006/main">
   <p:cSld>
     <p:spTree>
